--- a/12.xv6_doc/xv6.pptx
+++ b/12.xv6_doc/xv6.pptx
@@ -207,7 +207,7 @@
           <a:p>
             <a:fld id="{EE661791-B5CF-4156-B85B-3478D07D3770}" type="datetimeFigureOut">
               <a:rPr lang="ko-KR" altLang="en-US" smtClean="0"/>
-              <a:t>2022-04-23</a:t>
+              <a:t>2022-04-24</a:t>
             </a:fld>
             <a:endParaRPr lang="ko-KR" altLang="en-US"/>
           </a:p>
@@ -774,7 +774,7 @@
           <a:p>
             <a:fld id="{EDFD7BD4-3D2B-46E3-ADFC-86C63E3E7D8F}" type="datetimeFigureOut">
               <a:rPr lang="ko-KR" altLang="en-US" smtClean="0"/>
-              <a:t>2022-04-23</a:t>
+              <a:t>2022-04-24</a:t>
             </a:fld>
             <a:endParaRPr lang="ko-KR" altLang="en-US"/>
           </a:p>
@@ -944,7 +944,7 @@
           <a:p>
             <a:fld id="{EDFD7BD4-3D2B-46E3-ADFC-86C63E3E7D8F}" type="datetimeFigureOut">
               <a:rPr lang="ko-KR" altLang="en-US" smtClean="0"/>
-              <a:t>2022-04-23</a:t>
+              <a:t>2022-04-24</a:t>
             </a:fld>
             <a:endParaRPr lang="ko-KR" altLang="en-US"/>
           </a:p>
@@ -1124,7 +1124,7 @@
           <a:p>
             <a:fld id="{EDFD7BD4-3D2B-46E3-ADFC-86C63E3E7D8F}" type="datetimeFigureOut">
               <a:rPr lang="ko-KR" altLang="en-US" smtClean="0"/>
-              <a:t>2022-04-23</a:t>
+              <a:t>2022-04-24</a:t>
             </a:fld>
             <a:endParaRPr lang="ko-KR" altLang="en-US"/>
           </a:p>
@@ -1294,7 +1294,7 @@
           <a:p>
             <a:fld id="{EDFD7BD4-3D2B-46E3-ADFC-86C63E3E7D8F}" type="datetimeFigureOut">
               <a:rPr lang="ko-KR" altLang="en-US" smtClean="0"/>
-              <a:t>2022-04-23</a:t>
+              <a:t>2022-04-24</a:t>
             </a:fld>
             <a:endParaRPr lang="ko-KR" altLang="en-US"/>
           </a:p>
@@ -1538,7 +1538,7 @@
           <a:p>
             <a:fld id="{EDFD7BD4-3D2B-46E3-ADFC-86C63E3E7D8F}" type="datetimeFigureOut">
               <a:rPr lang="ko-KR" altLang="en-US" smtClean="0"/>
-              <a:t>2022-04-23</a:t>
+              <a:t>2022-04-24</a:t>
             </a:fld>
             <a:endParaRPr lang="ko-KR" altLang="en-US"/>
           </a:p>
@@ -1770,7 +1770,7 @@
           <a:p>
             <a:fld id="{EDFD7BD4-3D2B-46E3-ADFC-86C63E3E7D8F}" type="datetimeFigureOut">
               <a:rPr lang="ko-KR" altLang="en-US" smtClean="0"/>
-              <a:t>2022-04-23</a:t>
+              <a:t>2022-04-24</a:t>
             </a:fld>
             <a:endParaRPr lang="ko-KR" altLang="en-US"/>
           </a:p>
@@ -2137,7 +2137,7 @@
           <a:p>
             <a:fld id="{EDFD7BD4-3D2B-46E3-ADFC-86C63E3E7D8F}" type="datetimeFigureOut">
               <a:rPr lang="ko-KR" altLang="en-US" smtClean="0"/>
-              <a:t>2022-04-23</a:t>
+              <a:t>2022-04-24</a:t>
             </a:fld>
             <a:endParaRPr lang="ko-KR" altLang="en-US"/>
           </a:p>
@@ -2255,7 +2255,7 @@
           <a:p>
             <a:fld id="{EDFD7BD4-3D2B-46E3-ADFC-86C63E3E7D8F}" type="datetimeFigureOut">
               <a:rPr lang="ko-KR" altLang="en-US" smtClean="0"/>
-              <a:t>2022-04-23</a:t>
+              <a:t>2022-04-24</a:t>
             </a:fld>
             <a:endParaRPr lang="ko-KR" altLang="en-US"/>
           </a:p>
@@ -2350,7 +2350,7 @@
           <a:p>
             <a:fld id="{EDFD7BD4-3D2B-46E3-ADFC-86C63E3E7D8F}" type="datetimeFigureOut">
               <a:rPr lang="ko-KR" altLang="en-US" smtClean="0"/>
-              <a:t>2022-04-23</a:t>
+              <a:t>2022-04-24</a:t>
             </a:fld>
             <a:endParaRPr lang="ko-KR" altLang="en-US"/>
           </a:p>
@@ -2627,7 +2627,7 @@
           <a:p>
             <a:fld id="{EDFD7BD4-3D2B-46E3-ADFC-86C63E3E7D8F}" type="datetimeFigureOut">
               <a:rPr lang="ko-KR" altLang="en-US" smtClean="0"/>
-              <a:t>2022-04-23</a:t>
+              <a:t>2022-04-24</a:t>
             </a:fld>
             <a:endParaRPr lang="ko-KR" altLang="en-US"/>
           </a:p>
@@ -2884,7 +2884,7 @@
           <a:p>
             <a:fld id="{EDFD7BD4-3D2B-46E3-ADFC-86C63E3E7D8F}" type="datetimeFigureOut">
               <a:rPr lang="ko-KR" altLang="en-US" smtClean="0"/>
-              <a:t>2022-04-23</a:t>
+              <a:t>2022-04-24</a:t>
             </a:fld>
             <a:endParaRPr lang="ko-KR" altLang="en-US"/>
           </a:p>
@@ -3097,7 +3097,7 @@
           <a:p>
             <a:fld id="{EDFD7BD4-3D2B-46E3-ADFC-86C63E3E7D8F}" type="datetimeFigureOut">
               <a:rPr lang="ko-KR" altLang="en-US" smtClean="0"/>
-              <a:t>2022-04-23</a:t>
+              <a:t>2022-04-24</a:t>
             </a:fld>
             <a:endParaRPr lang="ko-KR" altLang="en-US"/>
           </a:p>
@@ -5521,7 +5521,6 @@
               <a:rPr lang="en-US" altLang="ko-KR" sz="1000" dirty="0"/>
               <a:t>;</a:t>
             </a:r>
-            <a:endParaRPr lang="en-US" altLang="ko-KR" sz="1000" dirty="0"/>
           </a:p>
         </p:txBody>
       </p:sp>
@@ -5557,84 +5556,6 @@
       </p:sp>
       <p:sp>
         <p:nvSpPr>
-          <p:cNvPr id="141" name="TextBox 140">
-            <a:extLst>
-              <a:ext uri="{FF2B5EF4-FFF2-40B4-BE49-F238E27FC236}">
-                <a16:creationId xmlns:a16="http://schemas.microsoft.com/office/drawing/2014/main" id="{1315023F-E2E3-4120-BEB2-1D7D8D5A7E84}"/>
-              </a:ext>
-            </a:extLst>
-          </p:cNvPr>
-          <p:cNvSpPr txBox="1"/>
-          <p:nvPr/>
-        </p:nvSpPr>
-        <p:spPr>
-          <a:xfrm>
-            <a:off x="4586877" y="7672348"/>
-            <a:ext cx="2519729" cy="276999"/>
-          </a:xfrm>
-          <a:prstGeom prst="rect">
-            <a:avLst/>
-          </a:prstGeom>
-          <a:solidFill>
-            <a:srgbClr val="FFC000"/>
-          </a:solidFill>
-          <a:ln>
-            <a:solidFill>
-              <a:schemeClr val="tx1">
-                <a:lumMod val="75000"/>
-                <a:lumOff val="25000"/>
-              </a:schemeClr>
-            </a:solidFill>
-          </a:ln>
-        </p:spPr>
-        <p:txBody>
-          <a:bodyPr wrap="none" rtlCol="0">
-            <a:spAutoFit/>
-          </a:bodyPr>
-          <a:lstStyle/>
-          <a:p>
-            <a:r>
-              <a:rPr lang="en-US" altLang="ko-KR" sz="1200" dirty="0"/>
-              <a:t>bread(</a:t>
-            </a:r>
-            <a:r>
-              <a:rPr lang="en-US" altLang="ko-KR" sz="1200" dirty="0" err="1"/>
-              <a:t>ip</a:t>
-            </a:r>
-            <a:r>
-              <a:rPr lang="en-US" altLang="ko-KR" sz="1200" dirty="0"/>
-              <a:t>-&gt;dev, IBLOCK(</a:t>
-            </a:r>
-            <a:r>
-              <a:rPr lang="en-US" altLang="ko-KR" sz="1200" dirty="0" err="1"/>
-              <a:t>ip</a:t>
-            </a:r>
-            <a:r>
-              <a:rPr lang="en-US" altLang="ko-KR" sz="1200" dirty="0"/>
-              <a:t>-&gt;</a:t>
-            </a:r>
-            <a:r>
-              <a:rPr lang="en-US" altLang="ko-KR" sz="1200" dirty="0" err="1"/>
-              <a:t>inum</a:t>
-            </a:r>
-            <a:r>
-              <a:rPr lang="en-US" altLang="ko-KR" sz="1200" dirty="0"/>
-              <a:t>, </a:t>
-            </a:r>
-            <a:r>
-              <a:rPr lang="en-US" altLang="ko-KR" sz="1200" dirty="0" err="1"/>
-              <a:t>sb</a:t>
-            </a:r>
-            <a:r>
-              <a:rPr lang="en-US" altLang="ko-KR" sz="1200" dirty="0"/>
-              <a:t>));</a:t>
-            </a:r>
-            <a:endParaRPr lang="ko-KR" altLang="en-US" sz="1200" dirty="0"/>
-          </a:p>
-        </p:txBody>
-      </p:sp>
-      <p:sp>
-        <p:nvSpPr>
           <p:cNvPr id="150" name="직사각형 149"/>
           <p:cNvSpPr/>
           <p:nvPr/>
@@ -5753,7 +5674,6 @@
               <a:rPr lang="en-US" altLang="ko-KR" sz="1000" dirty="0"/>
               <a:t>;</a:t>
             </a:r>
-            <a:endParaRPr lang="en-US" altLang="ko-KR" sz="1000" dirty="0"/>
           </a:p>
         </p:txBody>
       </p:sp>
@@ -8409,6 +8329,2750 @@
           <a:chExt cx="0" cy="0"/>
         </a:xfrm>
       </p:grpSpPr>
+      <p:cxnSp>
+        <p:nvCxnSpPr>
+          <p:cNvPr id="3" name="직선 연결선 2"/>
+          <p:cNvCxnSpPr/>
+          <p:nvPr/>
+        </p:nvCxnSpPr>
+        <p:spPr>
+          <a:xfrm flipV="1">
+            <a:off x="2422252" y="1212866"/>
+            <a:ext cx="6309965" cy="25680"/>
+          </a:xfrm>
+          <a:prstGeom prst="line">
+            <a:avLst/>
+          </a:prstGeom>
+          <a:ln w="38100">
+            <a:solidFill>
+              <a:srgbClr val="FF0000"/>
+            </a:solidFill>
+            <a:prstDash val="sysDash"/>
+          </a:ln>
+        </p:spPr>
+        <p:style>
+          <a:lnRef idx="1">
+            <a:schemeClr val="accent1"/>
+          </a:lnRef>
+          <a:fillRef idx="0">
+            <a:schemeClr val="accent1"/>
+          </a:fillRef>
+          <a:effectRef idx="0">
+            <a:schemeClr val="accent1"/>
+          </a:effectRef>
+          <a:fontRef idx="minor">
+            <a:schemeClr val="tx1"/>
+          </a:fontRef>
+        </p:style>
+      </p:cxnSp>
+      <p:sp>
+        <p:nvSpPr>
+          <p:cNvPr id="4" name="TextBox 3">
+            <a:extLst>
+              <a:ext uri="{FF2B5EF4-FFF2-40B4-BE49-F238E27FC236}">
+                <a16:creationId xmlns:a16="http://schemas.microsoft.com/office/drawing/2014/main" id="{1315023F-E2E3-4120-BEB2-1D7D8D5A7E84}"/>
+              </a:ext>
+            </a:extLst>
+          </p:cNvPr>
+          <p:cNvSpPr txBox="1"/>
+          <p:nvPr/>
+        </p:nvSpPr>
+        <p:spPr>
+          <a:xfrm>
+            <a:off x="2590362" y="479383"/>
+            <a:ext cx="1758191" cy="276999"/>
+          </a:xfrm>
+          <a:prstGeom prst="rect">
+            <a:avLst/>
+          </a:prstGeom>
+          <a:solidFill>
+            <a:srgbClr val="FFC000"/>
+          </a:solidFill>
+          <a:ln>
+            <a:solidFill>
+              <a:schemeClr val="tx1">
+                <a:lumMod val="75000"/>
+                <a:lumOff val="25000"/>
+              </a:schemeClr>
+            </a:solidFill>
+          </a:ln>
+        </p:spPr>
+        <p:txBody>
+          <a:bodyPr wrap="square" rtlCol="0">
+            <a:spAutoFit/>
+          </a:bodyPr>
+          <a:lstStyle/>
+          <a:p>
+            <a:r>
+              <a:rPr lang="en-US" altLang="ko-KR" sz="1200" dirty="0" err="1"/>
+              <a:t>int</a:t>
+            </a:r>
+            <a:r>
+              <a:rPr lang="en-US" altLang="ko-KR" sz="1200" dirty="0"/>
+              <a:t> open(</a:t>
+            </a:r>
+            <a:r>
+              <a:rPr lang="en-US" altLang="ko-KR" sz="1200" dirty="0" err="1"/>
+              <a:t>const</a:t>
+            </a:r>
+            <a:r>
+              <a:rPr lang="en-US" altLang="ko-KR" sz="1200" dirty="0"/>
+              <a:t> char*, </a:t>
+            </a:r>
+            <a:r>
+              <a:rPr lang="en-US" altLang="ko-KR" sz="1200" dirty="0" err="1"/>
+              <a:t>int</a:t>
+            </a:r>
+            <a:r>
+              <a:rPr lang="en-US" altLang="ko-KR" sz="1200" dirty="0"/>
+              <a:t>);</a:t>
+            </a:r>
+            <a:endParaRPr lang="ko-KR" altLang="en-US" sz="1200" dirty="0"/>
+          </a:p>
+        </p:txBody>
+      </p:sp>
+      <p:sp>
+        <p:nvSpPr>
+          <p:cNvPr id="6" name="아래쪽 화살표 5"/>
+          <p:cNvSpPr/>
+          <p:nvPr/>
+        </p:nvSpPr>
+        <p:spPr>
+          <a:xfrm>
+            <a:off x="3487475" y="756382"/>
+            <a:ext cx="191396" cy="861716"/>
+          </a:xfrm>
+          <a:prstGeom prst="downArrow">
+            <a:avLst>
+              <a:gd name="adj1" fmla="val 50000"/>
+              <a:gd name="adj2" fmla="val 49207"/>
+            </a:avLst>
+          </a:prstGeom>
+        </p:spPr>
+        <p:style>
+          <a:lnRef idx="2">
+            <a:schemeClr val="accent1">
+              <a:shade val="50000"/>
+            </a:schemeClr>
+          </a:lnRef>
+          <a:fillRef idx="1">
+            <a:schemeClr val="accent1"/>
+          </a:fillRef>
+          <a:effectRef idx="0">
+            <a:schemeClr val="accent1"/>
+          </a:effectRef>
+          <a:fontRef idx="minor">
+            <a:schemeClr val="lt1"/>
+          </a:fontRef>
+        </p:style>
+        <p:txBody>
+          <a:bodyPr rtlCol="0" anchor="ctr"/>
+          <a:lstStyle/>
+          <a:p>
+            <a:pPr algn="ctr"/>
+            <a:endParaRPr lang="ko-KR" altLang="en-US"/>
+          </a:p>
+        </p:txBody>
+      </p:sp>
+      <p:sp>
+        <p:nvSpPr>
+          <p:cNvPr id="8" name="직사각형 7"/>
+          <p:cNvSpPr/>
+          <p:nvPr/>
+        </p:nvSpPr>
+        <p:spPr>
+          <a:xfrm>
+            <a:off x="563757" y="4247766"/>
+            <a:ext cx="1704781" cy="707886"/>
+          </a:xfrm>
+          <a:prstGeom prst="rect">
+            <a:avLst/>
+          </a:prstGeom>
+          <a:solidFill>
+            <a:srgbClr val="00B0F0"/>
+          </a:solidFill>
+        </p:spPr>
+        <p:txBody>
+          <a:bodyPr wrap="square">
+            <a:spAutoFit/>
+          </a:bodyPr>
+          <a:lstStyle/>
+          <a:p>
+            <a:r>
+              <a:rPr lang="en-US" altLang="ko-KR" sz="1000" dirty="0" err="1" smtClean="0"/>
+              <a:t>struct</a:t>
+            </a:r>
+            <a:r>
+              <a:rPr lang="en-US" altLang="ko-KR" sz="1000" dirty="0" smtClean="0"/>
+              <a:t> </a:t>
+            </a:r>
+            <a:r>
+              <a:rPr lang="en-US" altLang="ko-KR" sz="1000" dirty="0"/>
+              <a:t>{</a:t>
+            </a:r>
+          </a:p>
+          <a:p>
+            <a:r>
+              <a:rPr lang="en-US" altLang="ko-KR" sz="1000" dirty="0"/>
+              <a:t>  </a:t>
+            </a:r>
+            <a:r>
+              <a:rPr lang="en-US" altLang="ko-KR" sz="1000" dirty="0" err="1"/>
+              <a:t>struct</a:t>
+            </a:r>
+            <a:r>
+              <a:rPr lang="en-US" altLang="ko-KR" sz="1000" dirty="0"/>
+              <a:t> spinlock lock;</a:t>
+            </a:r>
+          </a:p>
+          <a:p>
+            <a:r>
+              <a:rPr lang="en-US" altLang="ko-KR" sz="1000" dirty="0">
+                <a:solidFill>
+                  <a:srgbClr val="FF0000"/>
+                </a:solidFill>
+              </a:rPr>
+              <a:t>  </a:t>
+            </a:r>
+            <a:r>
+              <a:rPr lang="en-US" altLang="ko-KR" sz="1000" dirty="0" err="1">
+                <a:solidFill>
+                  <a:srgbClr val="FF0000"/>
+                </a:solidFill>
+              </a:rPr>
+              <a:t>struct</a:t>
+            </a:r>
+            <a:r>
+              <a:rPr lang="en-US" altLang="ko-KR" sz="1000" dirty="0">
+                <a:solidFill>
+                  <a:srgbClr val="FF0000"/>
+                </a:solidFill>
+              </a:rPr>
+              <a:t> </a:t>
+            </a:r>
+            <a:r>
+              <a:rPr lang="en-US" altLang="ko-KR" sz="1000" dirty="0" err="1">
+                <a:solidFill>
+                  <a:srgbClr val="FF0000"/>
+                </a:solidFill>
+              </a:rPr>
+              <a:t>inode</a:t>
+            </a:r>
+            <a:r>
+              <a:rPr lang="en-US" altLang="ko-KR" sz="1000" dirty="0"/>
+              <a:t> </a:t>
+            </a:r>
+            <a:r>
+              <a:rPr lang="en-US" altLang="ko-KR" sz="1000" dirty="0" err="1"/>
+              <a:t>inode</a:t>
+            </a:r>
+            <a:r>
+              <a:rPr lang="en-US" altLang="ko-KR" sz="1000" dirty="0"/>
+              <a:t>[NINODE];</a:t>
+            </a:r>
+          </a:p>
+          <a:p>
+            <a:r>
+              <a:rPr lang="en-US" altLang="ko-KR" sz="1000" dirty="0"/>
+              <a:t>} </a:t>
+            </a:r>
+            <a:r>
+              <a:rPr lang="en-US" altLang="ko-KR" sz="1000" dirty="0" err="1"/>
+              <a:t>icache</a:t>
+            </a:r>
+            <a:r>
+              <a:rPr lang="en-US" altLang="ko-KR" sz="1000" dirty="0"/>
+              <a:t>;</a:t>
+            </a:r>
+          </a:p>
+        </p:txBody>
+      </p:sp>
+      <p:sp>
+        <p:nvSpPr>
+          <p:cNvPr id="9" name="TextBox 8"/>
+          <p:cNvSpPr txBox="1"/>
+          <p:nvPr/>
+        </p:nvSpPr>
+        <p:spPr>
+          <a:xfrm>
+            <a:off x="563757" y="3923492"/>
+            <a:ext cx="779059" cy="369332"/>
+          </a:xfrm>
+          <a:prstGeom prst="rect">
+            <a:avLst/>
+          </a:prstGeom>
+          <a:noFill/>
+        </p:spPr>
+        <p:txBody>
+          <a:bodyPr wrap="none" rtlCol="0">
+            <a:spAutoFit/>
+          </a:bodyPr>
+          <a:lstStyle/>
+          <a:p>
+            <a:r>
+              <a:rPr lang="en-US" altLang="ko-KR" dirty="0" err="1" smtClean="0"/>
+              <a:t>icache</a:t>
+            </a:r>
+            <a:endParaRPr lang="ko-KR" altLang="en-US" dirty="0"/>
+          </a:p>
+        </p:txBody>
+      </p:sp>
+      <p:sp>
+        <p:nvSpPr>
+          <p:cNvPr id="10" name="직사각형 9"/>
+          <p:cNvSpPr/>
+          <p:nvPr/>
+        </p:nvSpPr>
+        <p:spPr>
+          <a:xfrm>
+            <a:off x="563757" y="5629820"/>
+            <a:ext cx="1704781" cy="1015663"/>
+          </a:xfrm>
+          <a:prstGeom prst="rect">
+            <a:avLst/>
+          </a:prstGeom>
+          <a:solidFill>
+            <a:srgbClr val="00B0F0"/>
+          </a:solidFill>
+        </p:spPr>
+        <p:txBody>
+          <a:bodyPr wrap="square">
+            <a:spAutoFit/>
+          </a:bodyPr>
+          <a:lstStyle/>
+          <a:p>
+            <a:r>
+              <a:rPr lang="en-US" altLang="ko-KR" sz="1000" dirty="0" err="1"/>
+              <a:t>struct</a:t>
+            </a:r>
+            <a:endParaRPr lang="en-US" altLang="ko-KR" sz="1000" dirty="0"/>
+          </a:p>
+          <a:p>
+            <a:r>
+              <a:rPr lang="en-US" altLang="ko-KR" sz="1000" dirty="0"/>
+              <a:t>{</a:t>
+            </a:r>
+          </a:p>
+          <a:p>
+            <a:r>
+              <a:rPr lang="en-US" altLang="ko-KR" sz="1000" dirty="0"/>
+              <a:t>  </a:t>
+            </a:r>
+            <a:r>
+              <a:rPr lang="en-US" altLang="ko-KR" sz="1000" dirty="0" err="1"/>
+              <a:t>struct</a:t>
+            </a:r>
+            <a:r>
+              <a:rPr lang="en-US" altLang="ko-KR" sz="1000" dirty="0"/>
+              <a:t> spinlock lock;</a:t>
+            </a:r>
+          </a:p>
+          <a:p>
+            <a:r>
+              <a:rPr lang="en-US" altLang="ko-KR" sz="1000" dirty="0"/>
+              <a:t>  </a:t>
+            </a:r>
+            <a:r>
+              <a:rPr lang="en-US" altLang="ko-KR" sz="1000" dirty="0" err="1"/>
+              <a:t>struct</a:t>
+            </a:r>
+            <a:r>
+              <a:rPr lang="en-US" altLang="ko-KR" sz="1000" dirty="0"/>
+              <a:t> </a:t>
+            </a:r>
+            <a:r>
+              <a:rPr lang="en-US" altLang="ko-KR" sz="1000" dirty="0" err="1"/>
+              <a:t>buf</a:t>
+            </a:r>
+            <a:r>
+              <a:rPr lang="en-US" altLang="ko-KR" sz="1000" dirty="0"/>
+              <a:t> </a:t>
+            </a:r>
+            <a:r>
+              <a:rPr lang="en-US" altLang="ko-KR" sz="1000" dirty="0" err="1"/>
+              <a:t>buf</a:t>
+            </a:r>
+            <a:r>
+              <a:rPr lang="en-US" altLang="ko-KR" sz="1000" dirty="0"/>
+              <a:t>[NBUF</a:t>
+            </a:r>
+            <a:r>
+              <a:rPr lang="en-US" altLang="ko-KR" sz="1000" dirty="0" smtClean="0"/>
+              <a:t>];</a:t>
+            </a:r>
+            <a:endParaRPr lang="en-US" altLang="ko-KR" sz="1000" dirty="0"/>
+          </a:p>
+          <a:p>
+            <a:r>
+              <a:rPr lang="en-US" altLang="ko-KR" sz="1000" dirty="0" smtClean="0"/>
+              <a:t>  </a:t>
+            </a:r>
+            <a:r>
+              <a:rPr lang="en-US" altLang="ko-KR" sz="1000" dirty="0" err="1" smtClean="0"/>
+              <a:t>struct</a:t>
+            </a:r>
+            <a:r>
+              <a:rPr lang="en-US" altLang="ko-KR" sz="1000" dirty="0" smtClean="0"/>
+              <a:t> </a:t>
+            </a:r>
+            <a:r>
+              <a:rPr lang="en-US" altLang="ko-KR" sz="1000" dirty="0" err="1"/>
+              <a:t>buf</a:t>
+            </a:r>
+            <a:r>
+              <a:rPr lang="en-US" altLang="ko-KR" sz="1000" dirty="0"/>
+              <a:t> head;</a:t>
+            </a:r>
+          </a:p>
+          <a:p>
+            <a:r>
+              <a:rPr lang="en-US" altLang="ko-KR" sz="1000" dirty="0"/>
+              <a:t>} </a:t>
+            </a:r>
+            <a:r>
+              <a:rPr lang="en-US" altLang="ko-KR" sz="1000" dirty="0" err="1"/>
+              <a:t>bcache</a:t>
+            </a:r>
+            <a:r>
+              <a:rPr lang="en-US" altLang="ko-KR" sz="1000" dirty="0"/>
+              <a:t>;</a:t>
+            </a:r>
+          </a:p>
+        </p:txBody>
+      </p:sp>
+      <p:sp>
+        <p:nvSpPr>
+          <p:cNvPr id="11" name="TextBox 10"/>
+          <p:cNvSpPr txBox="1"/>
+          <p:nvPr/>
+        </p:nvSpPr>
+        <p:spPr>
+          <a:xfrm>
+            <a:off x="563757" y="5299813"/>
+            <a:ext cx="847989" cy="369332"/>
+          </a:xfrm>
+          <a:prstGeom prst="rect">
+            <a:avLst/>
+          </a:prstGeom>
+          <a:noFill/>
+        </p:spPr>
+        <p:txBody>
+          <a:bodyPr wrap="none" rtlCol="0">
+            <a:spAutoFit/>
+          </a:bodyPr>
+          <a:lstStyle/>
+          <a:p>
+            <a:r>
+              <a:rPr lang="en-US" altLang="ko-KR" dirty="0" err="1"/>
+              <a:t>b</a:t>
+            </a:r>
+            <a:r>
+              <a:rPr lang="en-US" altLang="ko-KR" dirty="0" err="1" smtClean="0"/>
+              <a:t>cache</a:t>
+            </a:r>
+            <a:endParaRPr lang="ko-KR" altLang="en-US" dirty="0"/>
+          </a:p>
+        </p:txBody>
+      </p:sp>
+      <p:sp>
+        <p:nvSpPr>
+          <p:cNvPr id="12" name="TextBox 11"/>
+          <p:cNvSpPr txBox="1"/>
+          <p:nvPr/>
+        </p:nvSpPr>
+        <p:spPr>
+          <a:xfrm>
+            <a:off x="1522935" y="3923492"/>
+            <a:ext cx="479618" cy="246221"/>
+          </a:xfrm>
+          <a:prstGeom prst="rect">
+            <a:avLst/>
+          </a:prstGeom>
+          <a:solidFill>
+            <a:srgbClr val="00B050"/>
+          </a:solidFill>
+        </p:spPr>
+        <p:txBody>
+          <a:bodyPr wrap="none" rtlCol="0">
+            <a:spAutoFit/>
+          </a:bodyPr>
+          <a:lstStyle/>
+          <a:p>
+            <a:r>
+              <a:rPr lang="en-US" altLang="ko-KR" sz="1000" dirty="0" err="1" smtClean="0"/>
+              <a:t>inode</a:t>
+            </a:r>
+            <a:endParaRPr lang="ko-KR" altLang="en-US" sz="1000" dirty="0"/>
+          </a:p>
+        </p:txBody>
+      </p:sp>
+      <p:sp>
+        <p:nvSpPr>
+          <p:cNvPr id="13" name="TextBox 12"/>
+          <p:cNvSpPr txBox="1"/>
+          <p:nvPr/>
+        </p:nvSpPr>
+        <p:spPr>
+          <a:xfrm>
+            <a:off x="1522935" y="5357919"/>
+            <a:ext cx="505267" cy="246221"/>
+          </a:xfrm>
+          <a:prstGeom prst="rect">
+            <a:avLst/>
+          </a:prstGeom>
+          <a:solidFill>
+            <a:srgbClr val="00B050"/>
+          </a:solidFill>
+        </p:spPr>
+        <p:txBody>
+          <a:bodyPr wrap="none" rtlCol="0">
+            <a:spAutoFit/>
+          </a:bodyPr>
+          <a:lstStyle/>
+          <a:p>
+            <a:r>
+              <a:rPr lang="en-US" altLang="ko-KR" sz="1000" dirty="0" smtClean="0"/>
+              <a:t>buffer</a:t>
+            </a:r>
+            <a:endParaRPr lang="ko-KR" altLang="en-US" sz="1000" dirty="0"/>
+          </a:p>
+        </p:txBody>
+      </p:sp>
+      <p:sp>
+        <p:nvSpPr>
+          <p:cNvPr id="23" name="TextBox 22">
+            <a:extLst>
+              <a:ext uri="{FF2B5EF4-FFF2-40B4-BE49-F238E27FC236}">
+                <a16:creationId xmlns:a16="http://schemas.microsoft.com/office/drawing/2014/main" id="{1315023F-E2E3-4120-BEB2-1D7D8D5A7E84}"/>
+              </a:ext>
+            </a:extLst>
+          </p:cNvPr>
+          <p:cNvSpPr txBox="1"/>
+          <p:nvPr/>
+        </p:nvSpPr>
+        <p:spPr>
+          <a:xfrm>
+            <a:off x="2999426" y="1625777"/>
+            <a:ext cx="1124860" cy="276999"/>
+          </a:xfrm>
+          <a:prstGeom prst="rect">
+            <a:avLst/>
+          </a:prstGeom>
+          <a:solidFill>
+            <a:srgbClr val="FFC000"/>
+          </a:solidFill>
+          <a:ln>
+            <a:solidFill>
+              <a:schemeClr val="tx1">
+                <a:lumMod val="75000"/>
+                <a:lumOff val="25000"/>
+              </a:schemeClr>
+            </a:solidFill>
+          </a:ln>
+        </p:spPr>
+        <p:txBody>
+          <a:bodyPr wrap="none" rtlCol="0">
+            <a:spAutoFit/>
+          </a:bodyPr>
+          <a:lstStyle/>
+          <a:p>
+            <a:r>
+              <a:rPr lang="en-US" altLang="ko-KR" sz="1200" dirty="0" err="1" smtClean="0"/>
+              <a:t>sys_open</a:t>
+            </a:r>
+            <a:r>
+              <a:rPr lang="en-US" altLang="ko-KR" sz="1200" dirty="0" smtClean="0"/>
+              <a:t>(void)</a:t>
+            </a:r>
+            <a:endParaRPr lang="ko-KR" altLang="en-US" sz="1200" dirty="0"/>
+          </a:p>
+        </p:txBody>
+      </p:sp>
+      <p:sp>
+        <p:nvSpPr>
+          <p:cNvPr id="24" name="TextBox 23">
+            <a:extLst>
+              <a:ext uri="{FF2B5EF4-FFF2-40B4-BE49-F238E27FC236}">
+                <a16:creationId xmlns:a16="http://schemas.microsoft.com/office/drawing/2014/main" id="{1315023F-E2E3-4120-BEB2-1D7D8D5A7E84}"/>
+              </a:ext>
+            </a:extLst>
+          </p:cNvPr>
+          <p:cNvSpPr txBox="1"/>
+          <p:nvPr/>
+        </p:nvSpPr>
+        <p:spPr>
+          <a:xfrm>
+            <a:off x="5194224" y="1970982"/>
+            <a:ext cx="3653051" cy="276999"/>
+          </a:xfrm>
+          <a:prstGeom prst="rect">
+            <a:avLst/>
+          </a:prstGeom>
+          <a:noFill/>
+          <a:ln>
+            <a:solidFill>
+              <a:schemeClr val="tx1">
+                <a:lumMod val="75000"/>
+                <a:lumOff val="25000"/>
+              </a:schemeClr>
+            </a:solidFill>
+          </a:ln>
+        </p:spPr>
+        <p:txBody>
+          <a:bodyPr wrap="none" rtlCol="0">
+            <a:spAutoFit/>
+          </a:bodyPr>
+          <a:lstStyle>
+            <a:defPPr>
+              <a:defRPr lang="ko-KR"/>
+            </a:defPPr>
+            <a:lvl1pPr>
+              <a:defRPr sz="1200"/>
+            </a:lvl1pPr>
+          </a:lstStyle>
+          <a:p>
+            <a:r>
+              <a:rPr lang="en-US" altLang="ko-KR" dirty="0"/>
+              <a:t>create(char *path, short type, short major, short minor)</a:t>
+            </a:r>
+            <a:endParaRPr lang="ko-KR" altLang="en-US" dirty="0"/>
+          </a:p>
+        </p:txBody>
+      </p:sp>
+      <p:cxnSp>
+        <p:nvCxnSpPr>
+          <p:cNvPr id="25" name="꺾인 연결선 87">
+            <a:extLst>
+              <a:ext uri="{FF2B5EF4-FFF2-40B4-BE49-F238E27FC236}">
+                <a16:creationId xmlns:a16="http://schemas.microsoft.com/office/drawing/2014/main" id="{DEDEA3FD-FE9C-44C9-92F2-D40E9718A329}"/>
+              </a:ext>
+            </a:extLst>
+          </p:cNvPr>
+          <p:cNvCxnSpPr>
+            <a:cxnSpLocks/>
+            <a:stCxn id="23" idx="2"/>
+            <a:endCxn id="24" idx="1"/>
+          </p:cNvCxnSpPr>
+          <p:nvPr/>
+        </p:nvCxnSpPr>
+        <p:spPr>
+          <a:xfrm rot="16200000" flipH="1">
+            <a:off x="4274687" y="1189945"/>
+            <a:ext cx="206706" cy="1632368"/>
+          </a:xfrm>
+          <a:prstGeom prst="bentConnector2">
+            <a:avLst/>
+          </a:prstGeom>
+          <a:ln>
+            <a:tailEnd type="triangle"/>
+          </a:ln>
+        </p:spPr>
+        <p:style>
+          <a:lnRef idx="1">
+            <a:schemeClr val="accent1"/>
+          </a:lnRef>
+          <a:fillRef idx="0">
+            <a:schemeClr val="accent1"/>
+          </a:fillRef>
+          <a:effectRef idx="0">
+            <a:schemeClr val="accent1"/>
+          </a:effectRef>
+          <a:fontRef idx="minor">
+            <a:schemeClr val="tx1"/>
+          </a:fontRef>
+        </p:style>
+      </p:cxnSp>
+      <p:sp>
+        <p:nvSpPr>
+          <p:cNvPr id="28" name="직사각형 27"/>
+          <p:cNvSpPr/>
+          <p:nvPr/>
+        </p:nvSpPr>
+        <p:spPr>
+          <a:xfrm>
+            <a:off x="3510190" y="1902492"/>
+            <a:ext cx="1431802" cy="246221"/>
+          </a:xfrm>
+          <a:prstGeom prst="rect">
+            <a:avLst/>
+          </a:prstGeom>
+        </p:spPr>
+        <p:txBody>
+          <a:bodyPr wrap="none">
+            <a:spAutoFit/>
+          </a:bodyPr>
+          <a:lstStyle/>
+          <a:p>
+            <a:r>
+              <a:rPr lang="en-US" altLang="ko-KR" sz="1000" dirty="0"/>
+              <a:t>if(</a:t>
+            </a:r>
+            <a:r>
+              <a:rPr lang="en-US" altLang="ko-KR" sz="1000" dirty="0" err="1"/>
+              <a:t>omode</a:t>
+            </a:r>
+            <a:r>
+              <a:rPr lang="en-US" altLang="ko-KR" sz="1000" dirty="0"/>
+              <a:t> &amp; O_CREATE</a:t>
+            </a:r>
+            <a:r>
+              <a:rPr lang="en-US" altLang="ko-KR" sz="1000" dirty="0" smtClean="0"/>
+              <a:t>)</a:t>
+            </a:r>
+            <a:endParaRPr lang="ko-KR" altLang="en-US" sz="1000" dirty="0"/>
+          </a:p>
+        </p:txBody>
+      </p:sp>
+      <p:sp>
+        <p:nvSpPr>
+          <p:cNvPr id="70" name="TextBox 69">
+            <a:extLst>
+              <a:ext uri="{FF2B5EF4-FFF2-40B4-BE49-F238E27FC236}">
+                <a16:creationId xmlns:a16="http://schemas.microsoft.com/office/drawing/2014/main" id="{1315023F-E2E3-4120-BEB2-1D7D8D5A7E84}"/>
+              </a:ext>
+            </a:extLst>
+          </p:cNvPr>
+          <p:cNvSpPr txBox="1"/>
+          <p:nvPr/>
+        </p:nvSpPr>
+        <p:spPr>
+          <a:xfrm>
+            <a:off x="3426915" y="2256718"/>
+            <a:ext cx="951094" cy="276999"/>
+          </a:xfrm>
+          <a:prstGeom prst="rect">
+            <a:avLst/>
+          </a:prstGeom>
+          <a:solidFill>
+            <a:schemeClr val="bg1"/>
+          </a:solidFill>
+          <a:ln>
+            <a:solidFill>
+              <a:schemeClr val="tx1">
+                <a:lumMod val="75000"/>
+                <a:lumOff val="25000"/>
+              </a:schemeClr>
+            </a:solidFill>
+          </a:ln>
+        </p:spPr>
+        <p:txBody>
+          <a:bodyPr wrap="none" rtlCol="0">
+            <a:spAutoFit/>
+          </a:bodyPr>
+          <a:lstStyle/>
+          <a:p>
+            <a:r>
+              <a:rPr lang="en-US" altLang="ko-KR" sz="1200" dirty="0" err="1" smtClean="0"/>
+              <a:t>namei</a:t>
+            </a:r>
+            <a:r>
+              <a:rPr lang="en-US" altLang="ko-KR" sz="1200" dirty="0" smtClean="0"/>
+              <a:t>(</a:t>
+            </a:r>
+            <a:r>
+              <a:rPr lang="en-US" altLang="ko-KR" sz="1200" dirty="0" smtClean="0"/>
+              <a:t>path</a:t>
+            </a:r>
+            <a:r>
+              <a:rPr lang="en-US" altLang="ko-KR" sz="1200" dirty="0" smtClean="0"/>
+              <a:t>)</a:t>
+            </a:r>
+            <a:endParaRPr lang="ko-KR" altLang="en-US" sz="1200" dirty="0"/>
+          </a:p>
+        </p:txBody>
+      </p:sp>
+      <p:cxnSp>
+        <p:nvCxnSpPr>
+          <p:cNvPr id="71" name="꺾인 연결선 87">
+            <a:extLst>
+              <a:ext uri="{FF2B5EF4-FFF2-40B4-BE49-F238E27FC236}">
+                <a16:creationId xmlns:a16="http://schemas.microsoft.com/office/drawing/2014/main" id="{DEDEA3FD-FE9C-44C9-92F2-D40E9718A329}"/>
+              </a:ext>
+            </a:extLst>
+          </p:cNvPr>
+          <p:cNvCxnSpPr>
+            <a:cxnSpLocks/>
+            <a:stCxn id="70" idx="2"/>
+            <a:endCxn id="72" idx="1"/>
+          </p:cNvCxnSpPr>
+          <p:nvPr/>
+        </p:nvCxnSpPr>
+        <p:spPr>
+          <a:xfrm rot="16200000" flipH="1">
+            <a:off x="3901439" y="2534740"/>
+            <a:ext cx="224719" cy="222672"/>
+          </a:xfrm>
+          <a:prstGeom prst="bentConnector2">
+            <a:avLst/>
+          </a:prstGeom>
+          <a:ln>
+            <a:tailEnd type="triangle"/>
+          </a:ln>
+        </p:spPr>
+        <p:style>
+          <a:lnRef idx="1">
+            <a:schemeClr val="accent1"/>
+          </a:lnRef>
+          <a:fillRef idx="0">
+            <a:schemeClr val="accent1"/>
+          </a:fillRef>
+          <a:effectRef idx="0">
+            <a:schemeClr val="accent1"/>
+          </a:effectRef>
+          <a:fontRef idx="minor">
+            <a:schemeClr val="tx1"/>
+          </a:fontRef>
+        </p:style>
+      </p:cxnSp>
+      <p:sp>
+        <p:nvSpPr>
+          <p:cNvPr id="72" name="TextBox 71">
+            <a:extLst>
+              <a:ext uri="{FF2B5EF4-FFF2-40B4-BE49-F238E27FC236}">
+                <a16:creationId xmlns:a16="http://schemas.microsoft.com/office/drawing/2014/main" id="{1315023F-E2E3-4120-BEB2-1D7D8D5A7E84}"/>
+              </a:ext>
+            </a:extLst>
+          </p:cNvPr>
+          <p:cNvSpPr txBox="1"/>
+          <p:nvPr/>
+        </p:nvSpPr>
+        <p:spPr>
+          <a:xfrm>
+            <a:off x="4125134" y="2619936"/>
+            <a:ext cx="894091" cy="276999"/>
+          </a:xfrm>
+          <a:prstGeom prst="rect">
+            <a:avLst/>
+          </a:prstGeom>
+          <a:solidFill>
+            <a:schemeClr val="bg1"/>
+          </a:solidFill>
+          <a:ln>
+            <a:solidFill>
+              <a:schemeClr val="tx1">
+                <a:lumMod val="75000"/>
+                <a:lumOff val="25000"/>
+              </a:schemeClr>
+            </a:solidFill>
+          </a:ln>
+        </p:spPr>
+        <p:txBody>
+          <a:bodyPr wrap="none" rtlCol="0">
+            <a:spAutoFit/>
+          </a:bodyPr>
+          <a:lstStyle>
+            <a:defPPr>
+              <a:defRPr lang="ko-KR"/>
+            </a:defPPr>
+            <a:lvl1pPr>
+              <a:defRPr sz="1200"/>
+            </a:lvl1pPr>
+          </a:lstStyle>
+          <a:p>
+            <a:r>
+              <a:rPr lang="en-US" altLang="ko-KR" dirty="0" err="1"/>
+              <a:t>namex</a:t>
+            </a:r>
+            <a:r>
+              <a:rPr lang="en-US" altLang="ko-KR" dirty="0"/>
+              <a:t>(old)</a:t>
+            </a:r>
+            <a:endParaRPr lang="ko-KR" altLang="en-US" dirty="0"/>
+          </a:p>
+        </p:txBody>
+      </p:sp>
+      <p:sp>
+        <p:nvSpPr>
+          <p:cNvPr id="73" name="TextBox 72">
+            <a:extLst>
+              <a:ext uri="{FF2B5EF4-FFF2-40B4-BE49-F238E27FC236}">
+                <a16:creationId xmlns:a16="http://schemas.microsoft.com/office/drawing/2014/main" id="{1315023F-E2E3-4120-BEB2-1D7D8D5A7E84}"/>
+              </a:ext>
+            </a:extLst>
+          </p:cNvPr>
+          <p:cNvSpPr txBox="1"/>
+          <p:nvPr/>
+        </p:nvSpPr>
+        <p:spPr>
+          <a:xfrm>
+            <a:off x="4326226" y="2965933"/>
+            <a:ext cx="1615827" cy="276999"/>
+          </a:xfrm>
+          <a:prstGeom prst="rect">
+            <a:avLst/>
+          </a:prstGeom>
+          <a:solidFill>
+            <a:schemeClr val="bg1"/>
+          </a:solidFill>
+          <a:ln>
+            <a:solidFill>
+              <a:schemeClr val="tx1">
+                <a:lumMod val="75000"/>
+                <a:lumOff val="25000"/>
+              </a:schemeClr>
+            </a:solidFill>
+          </a:ln>
+        </p:spPr>
+        <p:txBody>
+          <a:bodyPr wrap="none" rtlCol="0">
+            <a:spAutoFit/>
+          </a:bodyPr>
+          <a:lstStyle>
+            <a:defPPr>
+              <a:defRPr lang="ko-KR"/>
+            </a:defPPr>
+            <a:lvl1pPr>
+              <a:defRPr sz="1200"/>
+            </a:lvl1pPr>
+          </a:lstStyle>
+          <a:p>
+            <a:r>
+              <a:rPr lang="en-US" altLang="ko-KR" dirty="0" err="1"/>
+              <a:t>dirlookup</a:t>
+            </a:r>
+            <a:r>
+              <a:rPr lang="en-US" altLang="ko-KR" dirty="0"/>
+              <a:t>(</a:t>
+            </a:r>
+            <a:r>
+              <a:rPr lang="en-US" altLang="ko-KR" dirty="0" err="1"/>
+              <a:t>ip</a:t>
+            </a:r>
+            <a:r>
+              <a:rPr lang="en-US" altLang="ko-KR" dirty="0"/>
+              <a:t>, name, 0)</a:t>
+            </a:r>
+            <a:endParaRPr lang="ko-KR" altLang="en-US" dirty="0"/>
+          </a:p>
+        </p:txBody>
+      </p:sp>
+      <p:sp>
+        <p:nvSpPr>
+          <p:cNvPr id="74" name="TextBox 73">
+            <a:extLst>
+              <a:ext uri="{FF2B5EF4-FFF2-40B4-BE49-F238E27FC236}">
+                <a16:creationId xmlns:a16="http://schemas.microsoft.com/office/drawing/2014/main" id="{1315023F-E2E3-4120-BEB2-1D7D8D5A7E84}"/>
+              </a:ext>
+            </a:extLst>
+          </p:cNvPr>
+          <p:cNvSpPr txBox="1"/>
+          <p:nvPr/>
+        </p:nvSpPr>
+        <p:spPr>
+          <a:xfrm>
+            <a:off x="4351814" y="3246054"/>
+            <a:ext cx="1117229" cy="276999"/>
+          </a:xfrm>
+          <a:prstGeom prst="rect">
+            <a:avLst/>
+          </a:prstGeom>
+          <a:solidFill>
+            <a:schemeClr val="bg1"/>
+          </a:solidFill>
+          <a:ln>
+            <a:solidFill>
+              <a:schemeClr val="tx1">
+                <a:lumMod val="75000"/>
+                <a:lumOff val="25000"/>
+              </a:schemeClr>
+            </a:solidFill>
+          </a:ln>
+        </p:spPr>
+        <p:txBody>
+          <a:bodyPr wrap="none" rtlCol="0">
+            <a:spAutoFit/>
+          </a:bodyPr>
+          <a:lstStyle>
+            <a:defPPr>
+              <a:defRPr lang="ko-KR"/>
+            </a:defPPr>
+            <a:lvl1pPr>
+              <a:defRPr sz="1200"/>
+            </a:lvl1pPr>
+          </a:lstStyle>
+          <a:p>
+            <a:r>
+              <a:rPr lang="en-US" altLang="ko-KR" dirty="0" err="1"/>
+              <a:t>iget</a:t>
+            </a:r>
+            <a:r>
+              <a:rPr lang="en-US" altLang="ko-KR" dirty="0"/>
+              <a:t>(dev, </a:t>
+            </a:r>
+            <a:r>
+              <a:rPr lang="en-US" altLang="ko-KR" dirty="0" err="1"/>
+              <a:t>inum</a:t>
+            </a:r>
+            <a:r>
+              <a:rPr lang="en-US" altLang="ko-KR" dirty="0"/>
+              <a:t>)</a:t>
+            </a:r>
+            <a:endParaRPr lang="ko-KR" altLang="en-US" dirty="0"/>
+          </a:p>
+        </p:txBody>
+      </p:sp>
+      <p:sp>
+        <p:nvSpPr>
+          <p:cNvPr id="75" name="화살표: 아래쪽 34">
+            <a:extLst>
+              <a:ext uri="{FF2B5EF4-FFF2-40B4-BE49-F238E27FC236}">
+                <a16:creationId xmlns:a16="http://schemas.microsoft.com/office/drawing/2014/main" id="{E12E9930-FEBE-4704-AFD8-8D73CBE48013}"/>
+              </a:ext>
+            </a:extLst>
+          </p:cNvPr>
+          <p:cNvSpPr/>
+          <p:nvPr/>
+        </p:nvSpPr>
+        <p:spPr>
+          <a:xfrm>
+            <a:off x="4216020" y="2896935"/>
+            <a:ext cx="135794" cy="598123"/>
+          </a:xfrm>
+          <a:prstGeom prst="downArrow">
+            <a:avLst/>
+          </a:prstGeom>
+        </p:spPr>
+        <p:style>
+          <a:lnRef idx="2">
+            <a:schemeClr val="accent1">
+              <a:shade val="50000"/>
+            </a:schemeClr>
+          </a:lnRef>
+          <a:fillRef idx="1">
+            <a:schemeClr val="accent1"/>
+          </a:fillRef>
+          <a:effectRef idx="0">
+            <a:schemeClr val="accent1"/>
+          </a:effectRef>
+          <a:fontRef idx="minor">
+            <a:schemeClr val="lt1"/>
+          </a:fontRef>
+        </p:style>
+        <p:txBody>
+          <a:bodyPr rtlCol="0" anchor="ctr"/>
+          <a:lstStyle/>
+          <a:p>
+            <a:pPr algn="ctr"/>
+            <a:endParaRPr lang="ko-KR" altLang="en-US"/>
+          </a:p>
+        </p:txBody>
+      </p:sp>
+      <p:cxnSp>
+        <p:nvCxnSpPr>
+          <p:cNvPr id="76" name="구부러진 연결선 75"/>
+          <p:cNvCxnSpPr>
+            <a:stCxn id="75" idx="2"/>
+          </p:cNvCxnSpPr>
+          <p:nvPr/>
+        </p:nvCxnSpPr>
+        <p:spPr>
+          <a:xfrm rot="5400000" flipH="1">
+            <a:off x="3405024" y="2616166"/>
+            <a:ext cx="961343" cy="796442"/>
+          </a:xfrm>
+          <a:prstGeom prst="curvedConnector3">
+            <a:avLst>
+              <a:gd name="adj1" fmla="val -17480"/>
+            </a:avLst>
+          </a:prstGeom>
+          <a:ln>
+            <a:tailEnd type="triangle"/>
+          </a:ln>
+        </p:spPr>
+        <p:style>
+          <a:lnRef idx="1">
+            <a:schemeClr val="accent1"/>
+          </a:lnRef>
+          <a:fillRef idx="0">
+            <a:schemeClr val="accent1"/>
+          </a:fillRef>
+          <a:effectRef idx="0">
+            <a:schemeClr val="accent1"/>
+          </a:effectRef>
+          <a:fontRef idx="minor">
+            <a:schemeClr val="tx1"/>
+          </a:fontRef>
+        </p:style>
+      </p:cxnSp>
+      <p:sp>
+        <p:nvSpPr>
+          <p:cNvPr id="77" name="TextBox 76"/>
+          <p:cNvSpPr txBox="1"/>
+          <p:nvPr/>
+        </p:nvSpPr>
+        <p:spPr>
+          <a:xfrm>
+            <a:off x="3449934" y="3004793"/>
+            <a:ext cx="538930" cy="276999"/>
+          </a:xfrm>
+          <a:prstGeom prst="rect">
+            <a:avLst/>
+          </a:prstGeom>
+          <a:noFill/>
+        </p:spPr>
+        <p:txBody>
+          <a:bodyPr wrap="none" rtlCol="0">
+            <a:spAutoFit/>
+          </a:bodyPr>
+          <a:lstStyle/>
+          <a:p>
+            <a:r>
+              <a:rPr lang="en-US" altLang="ko-KR" sz="1200" dirty="0" err="1" smtClean="0"/>
+              <a:t>inode</a:t>
+            </a:r>
+            <a:endParaRPr lang="en-US" altLang="ko-KR" sz="1200" dirty="0" smtClean="0"/>
+          </a:p>
+        </p:txBody>
+      </p:sp>
+      <p:sp>
+        <p:nvSpPr>
+          <p:cNvPr id="78" name="화살표: 아래쪽 34">
+            <a:extLst>
+              <a:ext uri="{FF2B5EF4-FFF2-40B4-BE49-F238E27FC236}">
+                <a16:creationId xmlns:a16="http://schemas.microsoft.com/office/drawing/2014/main" id="{E12E9930-FEBE-4704-AFD8-8D73CBE48013}"/>
+              </a:ext>
+            </a:extLst>
+          </p:cNvPr>
+          <p:cNvSpPr/>
+          <p:nvPr/>
+        </p:nvSpPr>
+        <p:spPr>
+          <a:xfrm>
+            <a:off x="3275603" y="1902492"/>
+            <a:ext cx="159201" cy="3994675"/>
+          </a:xfrm>
+          <a:prstGeom prst="downArrow">
+            <a:avLst/>
+          </a:prstGeom>
+        </p:spPr>
+        <p:style>
+          <a:lnRef idx="2">
+            <a:schemeClr val="accent1">
+              <a:shade val="50000"/>
+            </a:schemeClr>
+          </a:lnRef>
+          <a:fillRef idx="1">
+            <a:schemeClr val="accent1"/>
+          </a:fillRef>
+          <a:effectRef idx="0">
+            <a:schemeClr val="accent1"/>
+          </a:effectRef>
+          <a:fontRef idx="minor">
+            <a:schemeClr val="lt1"/>
+          </a:fontRef>
+        </p:style>
+        <p:txBody>
+          <a:bodyPr rtlCol="0" anchor="ctr"/>
+          <a:lstStyle/>
+          <a:p>
+            <a:pPr algn="ctr"/>
+            <a:endParaRPr lang="ko-KR" altLang="en-US"/>
+          </a:p>
+        </p:txBody>
+      </p:sp>
+      <p:sp>
+        <p:nvSpPr>
+          <p:cNvPr id="80" name="TextBox 79">
+            <a:extLst>
+              <a:ext uri="{FF2B5EF4-FFF2-40B4-BE49-F238E27FC236}">
+                <a16:creationId xmlns:a16="http://schemas.microsoft.com/office/drawing/2014/main" id="{1315023F-E2E3-4120-BEB2-1D7D8D5A7E84}"/>
+              </a:ext>
+            </a:extLst>
+          </p:cNvPr>
+          <p:cNvSpPr txBox="1"/>
+          <p:nvPr/>
+        </p:nvSpPr>
+        <p:spPr>
+          <a:xfrm>
+            <a:off x="3426915" y="4026142"/>
+            <a:ext cx="957313" cy="276999"/>
+          </a:xfrm>
+          <a:prstGeom prst="rect">
+            <a:avLst/>
+          </a:prstGeom>
+          <a:solidFill>
+            <a:schemeClr val="bg1"/>
+          </a:solidFill>
+          <a:ln>
+            <a:solidFill>
+              <a:schemeClr val="tx1">
+                <a:lumMod val="75000"/>
+                <a:lumOff val="25000"/>
+              </a:schemeClr>
+            </a:solidFill>
+          </a:ln>
+        </p:spPr>
+        <p:txBody>
+          <a:bodyPr wrap="none" rtlCol="0">
+            <a:spAutoFit/>
+          </a:bodyPr>
+          <a:lstStyle/>
+          <a:p>
+            <a:r>
+              <a:rPr lang="en-US" altLang="ko-KR" sz="1200" dirty="0" smtClean="0">
+                <a:solidFill>
+                  <a:srgbClr val="FF0000"/>
+                </a:solidFill>
+              </a:rPr>
+              <a:t>f</a:t>
+            </a:r>
+            <a:r>
+              <a:rPr lang="en-US" altLang="ko-KR" sz="1200" dirty="0" smtClean="0"/>
+              <a:t> = </a:t>
+            </a:r>
+            <a:r>
+              <a:rPr lang="en-US" altLang="ko-KR" sz="1200" dirty="0" err="1" smtClean="0"/>
+              <a:t>filealloc</a:t>
+            </a:r>
+            <a:r>
+              <a:rPr lang="en-US" altLang="ko-KR" sz="1200" dirty="0" smtClean="0"/>
+              <a:t>()</a:t>
+            </a:r>
+            <a:endParaRPr lang="ko-KR" altLang="en-US" sz="1200" dirty="0"/>
+          </a:p>
+        </p:txBody>
+      </p:sp>
+      <p:sp>
+        <p:nvSpPr>
+          <p:cNvPr id="81" name="TextBox 80">
+            <a:extLst>
+              <a:ext uri="{FF2B5EF4-FFF2-40B4-BE49-F238E27FC236}">
+                <a16:creationId xmlns:a16="http://schemas.microsoft.com/office/drawing/2014/main" id="{1315023F-E2E3-4120-BEB2-1D7D8D5A7E84}"/>
+              </a:ext>
+            </a:extLst>
+          </p:cNvPr>
+          <p:cNvSpPr txBox="1"/>
+          <p:nvPr/>
+        </p:nvSpPr>
+        <p:spPr>
+          <a:xfrm>
+            <a:off x="3434804" y="4415698"/>
+            <a:ext cx="1010918" cy="276999"/>
+          </a:xfrm>
+          <a:prstGeom prst="rect">
+            <a:avLst/>
+          </a:prstGeom>
+          <a:solidFill>
+            <a:schemeClr val="bg1"/>
+          </a:solidFill>
+          <a:ln>
+            <a:solidFill>
+              <a:schemeClr val="tx1">
+                <a:lumMod val="75000"/>
+                <a:lumOff val="25000"/>
+              </a:schemeClr>
+            </a:solidFill>
+          </a:ln>
+        </p:spPr>
+        <p:txBody>
+          <a:bodyPr wrap="none" rtlCol="0">
+            <a:spAutoFit/>
+          </a:bodyPr>
+          <a:lstStyle/>
+          <a:p>
+            <a:r>
+              <a:rPr lang="en-US" altLang="ko-KR" sz="1200" dirty="0" err="1" smtClean="0"/>
+              <a:t>fd</a:t>
+            </a:r>
+            <a:r>
+              <a:rPr lang="en-US" altLang="ko-KR" sz="1200" dirty="0" smtClean="0"/>
+              <a:t> = </a:t>
+            </a:r>
+            <a:r>
+              <a:rPr lang="en-US" altLang="ko-KR" sz="1200" dirty="0" err="1" smtClean="0"/>
+              <a:t>fdalloc</a:t>
+            </a:r>
+            <a:r>
+              <a:rPr lang="en-US" altLang="ko-KR" sz="1200" dirty="0" smtClean="0"/>
+              <a:t>(</a:t>
+            </a:r>
+            <a:r>
+              <a:rPr lang="en-US" altLang="ko-KR" sz="1200" dirty="0" smtClean="0">
+                <a:solidFill>
+                  <a:srgbClr val="FF0000"/>
+                </a:solidFill>
+              </a:rPr>
+              <a:t>f</a:t>
+            </a:r>
+            <a:r>
+              <a:rPr lang="en-US" altLang="ko-KR" sz="1200" dirty="0" smtClean="0"/>
+              <a:t>)</a:t>
+            </a:r>
+            <a:endParaRPr lang="ko-KR" altLang="en-US" sz="1200" dirty="0"/>
+          </a:p>
+        </p:txBody>
+      </p:sp>
+      <p:sp>
+        <p:nvSpPr>
+          <p:cNvPr id="82" name="직사각형 81"/>
+          <p:cNvSpPr/>
+          <p:nvPr/>
+        </p:nvSpPr>
+        <p:spPr>
+          <a:xfrm>
+            <a:off x="563757" y="2927849"/>
+            <a:ext cx="1704781" cy="861774"/>
+          </a:xfrm>
+          <a:prstGeom prst="rect">
+            <a:avLst/>
+          </a:prstGeom>
+          <a:solidFill>
+            <a:srgbClr val="00B0F0"/>
+          </a:solidFill>
+        </p:spPr>
+        <p:txBody>
+          <a:bodyPr wrap="square">
+            <a:spAutoFit/>
+          </a:bodyPr>
+          <a:lstStyle/>
+          <a:p>
+            <a:r>
+              <a:rPr lang="en-US" altLang="ko-KR" sz="1000" dirty="0" err="1"/>
+              <a:t>struct</a:t>
+            </a:r>
+            <a:endParaRPr lang="en-US" altLang="ko-KR" sz="1000" dirty="0"/>
+          </a:p>
+          <a:p>
+            <a:r>
+              <a:rPr lang="en-US" altLang="ko-KR" sz="1000" dirty="0"/>
+              <a:t>{</a:t>
+            </a:r>
+          </a:p>
+          <a:p>
+            <a:r>
+              <a:rPr lang="en-US" altLang="ko-KR" sz="1000" dirty="0"/>
+              <a:t>  </a:t>
+            </a:r>
+            <a:r>
+              <a:rPr lang="en-US" altLang="ko-KR" sz="1000" dirty="0" err="1"/>
+              <a:t>struct</a:t>
+            </a:r>
+            <a:r>
+              <a:rPr lang="en-US" altLang="ko-KR" sz="1000" dirty="0"/>
+              <a:t> spinlock lock;</a:t>
+            </a:r>
+          </a:p>
+          <a:p>
+            <a:r>
+              <a:rPr lang="en-US" altLang="ko-KR" sz="1000" dirty="0"/>
+              <a:t>  </a:t>
+            </a:r>
+            <a:r>
+              <a:rPr lang="en-US" altLang="ko-KR" sz="1000" dirty="0" err="1"/>
+              <a:t>struct</a:t>
+            </a:r>
+            <a:r>
+              <a:rPr lang="en-US" altLang="ko-KR" sz="1000" dirty="0"/>
+              <a:t> file file[NFILE];</a:t>
+            </a:r>
+          </a:p>
+          <a:p>
+            <a:r>
+              <a:rPr lang="en-US" altLang="ko-KR" sz="1000" dirty="0"/>
+              <a:t>} </a:t>
+            </a:r>
+            <a:r>
+              <a:rPr lang="en-US" altLang="ko-KR" sz="1000" dirty="0" err="1"/>
+              <a:t>ftable</a:t>
+            </a:r>
+            <a:r>
+              <a:rPr lang="en-US" altLang="ko-KR" sz="1000" dirty="0"/>
+              <a:t>;</a:t>
+            </a:r>
+            <a:endParaRPr lang="en-US" altLang="ko-KR" sz="1000" dirty="0"/>
+          </a:p>
+        </p:txBody>
+      </p:sp>
+      <p:sp>
+        <p:nvSpPr>
+          <p:cNvPr id="83" name="TextBox 82"/>
+          <p:cNvSpPr txBox="1"/>
+          <p:nvPr/>
+        </p:nvSpPr>
+        <p:spPr>
+          <a:xfrm>
+            <a:off x="563757" y="2603575"/>
+            <a:ext cx="730072" cy="369332"/>
+          </a:xfrm>
+          <a:prstGeom prst="rect">
+            <a:avLst/>
+          </a:prstGeom>
+          <a:noFill/>
+        </p:spPr>
+        <p:txBody>
+          <a:bodyPr wrap="none" rtlCol="0">
+            <a:spAutoFit/>
+          </a:bodyPr>
+          <a:lstStyle/>
+          <a:p>
+            <a:r>
+              <a:rPr lang="en-US" altLang="ko-KR" dirty="0" err="1" smtClean="0"/>
+              <a:t>ftable</a:t>
+            </a:r>
+            <a:endParaRPr lang="ko-KR" altLang="en-US" dirty="0"/>
+          </a:p>
+        </p:txBody>
+      </p:sp>
+      <p:sp>
+        <p:nvSpPr>
+          <p:cNvPr id="84" name="TextBox 83"/>
+          <p:cNvSpPr txBox="1"/>
+          <p:nvPr/>
+        </p:nvSpPr>
+        <p:spPr>
+          <a:xfrm>
+            <a:off x="1522935" y="2603575"/>
+            <a:ext cx="487634" cy="246221"/>
+          </a:xfrm>
+          <a:prstGeom prst="rect">
+            <a:avLst/>
+          </a:prstGeom>
+          <a:solidFill>
+            <a:srgbClr val="00B050"/>
+          </a:solidFill>
+        </p:spPr>
+        <p:txBody>
+          <a:bodyPr wrap="none" rtlCol="0">
+            <a:spAutoFit/>
+          </a:bodyPr>
+          <a:lstStyle/>
+          <a:p>
+            <a:r>
+              <a:rPr lang="en-US" altLang="ko-KR" sz="1000" dirty="0" err="1" smtClean="0"/>
+              <a:t>ftable</a:t>
+            </a:r>
+            <a:endParaRPr lang="ko-KR" altLang="en-US" sz="1000" dirty="0"/>
+          </a:p>
+        </p:txBody>
+      </p:sp>
+      <p:cxnSp>
+        <p:nvCxnSpPr>
+          <p:cNvPr id="85" name="꺾인 연결선 87">
+            <a:extLst>
+              <a:ext uri="{FF2B5EF4-FFF2-40B4-BE49-F238E27FC236}">
+                <a16:creationId xmlns:a16="http://schemas.microsoft.com/office/drawing/2014/main" id="{DEDEA3FD-FE9C-44C9-92F2-D40E9718A329}"/>
+              </a:ext>
+            </a:extLst>
+          </p:cNvPr>
+          <p:cNvCxnSpPr>
+            <a:cxnSpLocks/>
+            <a:stCxn id="82" idx="3"/>
+            <a:endCxn id="80" idx="1"/>
+          </p:cNvCxnSpPr>
+          <p:nvPr/>
+        </p:nvCxnSpPr>
+        <p:spPr>
+          <a:xfrm>
+            <a:off x="2268538" y="3358736"/>
+            <a:ext cx="1158377" cy="805906"/>
+          </a:xfrm>
+          <a:prstGeom prst="curvedConnector3">
+            <a:avLst/>
+          </a:prstGeom>
+          <a:ln>
+            <a:tailEnd type="triangle"/>
+          </a:ln>
+        </p:spPr>
+        <p:style>
+          <a:lnRef idx="1">
+            <a:schemeClr val="accent1"/>
+          </a:lnRef>
+          <a:fillRef idx="0">
+            <a:schemeClr val="accent1"/>
+          </a:fillRef>
+          <a:effectRef idx="0">
+            <a:schemeClr val="accent1"/>
+          </a:effectRef>
+          <a:fontRef idx="minor">
+            <a:schemeClr val="tx1"/>
+          </a:fontRef>
+        </p:style>
+      </p:cxnSp>
+      <p:sp>
+        <p:nvSpPr>
+          <p:cNvPr id="89" name="TextBox 88"/>
+          <p:cNvSpPr txBox="1"/>
+          <p:nvPr/>
+        </p:nvSpPr>
+        <p:spPr>
+          <a:xfrm>
+            <a:off x="4417814" y="4012327"/>
+            <a:ext cx="1351204" cy="276999"/>
+          </a:xfrm>
+          <a:prstGeom prst="rect">
+            <a:avLst/>
+          </a:prstGeom>
+          <a:noFill/>
+        </p:spPr>
+        <p:txBody>
+          <a:bodyPr wrap="none" rtlCol="0">
+            <a:spAutoFit/>
+          </a:bodyPr>
+          <a:lstStyle/>
+          <a:p>
+            <a:r>
+              <a:rPr lang="en-US" altLang="ko-KR" sz="1200" dirty="0" smtClean="0"/>
+              <a:t>free file </a:t>
+            </a:r>
+            <a:r>
+              <a:rPr lang="ko-KR" altLang="en-US" sz="1200" dirty="0" smtClean="0"/>
+              <a:t>객체 할당</a:t>
+            </a:r>
+            <a:endParaRPr lang="en-US" altLang="ko-KR" sz="1200" dirty="0" smtClean="0"/>
+          </a:p>
+        </p:txBody>
+      </p:sp>
+      <p:sp>
+        <p:nvSpPr>
+          <p:cNvPr id="91" name="직사각형 90"/>
+          <p:cNvSpPr/>
+          <p:nvPr/>
+        </p:nvSpPr>
+        <p:spPr>
+          <a:xfrm>
+            <a:off x="6509802" y="2533715"/>
+            <a:ext cx="2337473" cy="1615827"/>
+          </a:xfrm>
+          <a:prstGeom prst="rect">
+            <a:avLst/>
+          </a:prstGeom>
+          <a:ln>
+            <a:solidFill>
+              <a:schemeClr val="tx1"/>
+            </a:solidFill>
+            <a:prstDash val="sysDash"/>
+          </a:ln>
+        </p:spPr>
+        <p:txBody>
+          <a:bodyPr wrap="square">
+            <a:spAutoFit/>
+          </a:bodyPr>
+          <a:lstStyle/>
+          <a:p>
+            <a:r>
+              <a:rPr lang="en-US" altLang="ko-KR" sz="900" dirty="0" err="1"/>
+              <a:t>struct</a:t>
+            </a:r>
+            <a:r>
+              <a:rPr lang="en-US" altLang="ko-KR" sz="900" dirty="0"/>
+              <a:t> file </a:t>
+            </a:r>
+            <a:r>
+              <a:rPr lang="en-US" altLang="ko-KR" sz="900" dirty="0" smtClean="0"/>
+              <a:t>* </a:t>
+            </a:r>
+            <a:r>
+              <a:rPr lang="en-US" altLang="ko-KR" sz="900" dirty="0" err="1" smtClean="0"/>
+              <a:t>filealloc</a:t>
+            </a:r>
+            <a:r>
+              <a:rPr lang="en-US" altLang="ko-KR" sz="900" dirty="0" smtClean="0"/>
+              <a:t>(void) {</a:t>
+            </a:r>
+            <a:endParaRPr lang="en-US" altLang="ko-KR" sz="900" dirty="0"/>
+          </a:p>
+          <a:p>
+            <a:r>
+              <a:rPr lang="en-US" altLang="ko-KR" sz="900" dirty="0"/>
+              <a:t>  </a:t>
+            </a:r>
+            <a:r>
+              <a:rPr lang="en-US" altLang="ko-KR" sz="900" dirty="0" err="1"/>
+              <a:t>struct</a:t>
+            </a:r>
+            <a:r>
+              <a:rPr lang="en-US" altLang="ko-KR" sz="900" dirty="0"/>
+              <a:t> file *f</a:t>
+            </a:r>
+            <a:r>
+              <a:rPr lang="en-US" altLang="ko-KR" sz="900" dirty="0" smtClean="0"/>
+              <a:t>;</a:t>
+            </a:r>
+            <a:endParaRPr lang="en-US" altLang="ko-KR" sz="900" dirty="0"/>
+          </a:p>
+          <a:p>
+            <a:r>
+              <a:rPr lang="en-US" altLang="ko-KR" sz="900" dirty="0"/>
+              <a:t>  acquire(&amp;</a:t>
+            </a:r>
+            <a:r>
+              <a:rPr lang="en-US" altLang="ko-KR" sz="900" dirty="0" err="1"/>
+              <a:t>ftable.lock</a:t>
+            </a:r>
+            <a:r>
+              <a:rPr lang="en-US" altLang="ko-KR" sz="900" dirty="0"/>
+              <a:t>);</a:t>
+            </a:r>
+          </a:p>
+          <a:p>
+            <a:r>
+              <a:rPr lang="en-US" altLang="ko-KR" sz="900" dirty="0"/>
+              <a:t>  for (f </a:t>
+            </a:r>
+            <a:r>
+              <a:rPr lang="en-US" altLang="ko-KR" sz="900" dirty="0">
+                <a:solidFill>
+                  <a:srgbClr val="00B0F0"/>
+                </a:solidFill>
+              </a:rPr>
+              <a:t>= </a:t>
+            </a:r>
+            <a:r>
+              <a:rPr lang="en-US" altLang="ko-KR" sz="900" dirty="0" err="1">
+                <a:solidFill>
+                  <a:srgbClr val="00B0F0"/>
+                </a:solidFill>
+              </a:rPr>
+              <a:t>ftable.file</a:t>
+            </a:r>
+            <a:r>
+              <a:rPr lang="en-US" altLang="ko-KR" sz="900" dirty="0">
+                <a:solidFill>
+                  <a:srgbClr val="00B0F0"/>
+                </a:solidFill>
+              </a:rPr>
+              <a:t>; </a:t>
+            </a:r>
+            <a:r>
+              <a:rPr lang="en-US" altLang="ko-KR" sz="900" dirty="0"/>
+              <a:t>f &lt; </a:t>
+            </a:r>
+            <a:r>
+              <a:rPr lang="en-US" altLang="ko-KR" sz="900" dirty="0" err="1"/>
+              <a:t>ftable.file</a:t>
+            </a:r>
+            <a:r>
+              <a:rPr lang="en-US" altLang="ko-KR" sz="900" dirty="0"/>
+              <a:t> + NFILE; f</a:t>
+            </a:r>
+            <a:r>
+              <a:rPr lang="en-US" altLang="ko-KR" sz="900" dirty="0" smtClean="0"/>
+              <a:t>++) </a:t>
+            </a:r>
+            <a:r>
+              <a:rPr lang="en-US" altLang="ko-KR" sz="900" dirty="0"/>
+              <a:t>{</a:t>
+            </a:r>
+          </a:p>
+          <a:p>
+            <a:r>
+              <a:rPr lang="en-US" altLang="ko-KR" sz="900" dirty="0"/>
+              <a:t>    if (</a:t>
+            </a:r>
+            <a:r>
+              <a:rPr lang="en-US" altLang="ko-KR" sz="900" dirty="0">
+                <a:solidFill>
+                  <a:srgbClr val="00B0F0"/>
+                </a:solidFill>
+              </a:rPr>
+              <a:t>f-&gt;ref == 0</a:t>
+            </a:r>
+            <a:r>
+              <a:rPr lang="en-US" altLang="ko-KR" sz="900" dirty="0" smtClean="0"/>
+              <a:t>)  </a:t>
+            </a:r>
+            <a:r>
+              <a:rPr lang="en-US" altLang="ko-KR" sz="900" dirty="0"/>
+              <a:t>{</a:t>
+            </a:r>
+          </a:p>
+          <a:p>
+            <a:r>
+              <a:rPr lang="en-US" altLang="ko-KR" sz="900" dirty="0"/>
+              <a:t>      </a:t>
+            </a:r>
+            <a:r>
+              <a:rPr lang="en-US" altLang="ko-KR" sz="900" dirty="0">
+                <a:solidFill>
+                  <a:srgbClr val="00B0F0"/>
+                </a:solidFill>
+              </a:rPr>
+              <a:t>f-&gt;ref = 1;</a:t>
+            </a:r>
+          </a:p>
+          <a:p>
+            <a:r>
+              <a:rPr lang="en-US" altLang="ko-KR" sz="900" dirty="0"/>
+              <a:t>      release(&amp;</a:t>
+            </a:r>
+            <a:r>
+              <a:rPr lang="en-US" altLang="ko-KR" sz="900" dirty="0" err="1"/>
+              <a:t>ftable.lock</a:t>
+            </a:r>
+            <a:r>
+              <a:rPr lang="en-US" altLang="ko-KR" sz="900" dirty="0"/>
+              <a:t>);</a:t>
+            </a:r>
+          </a:p>
+          <a:p>
+            <a:r>
+              <a:rPr lang="en-US" altLang="ko-KR" sz="900" dirty="0"/>
+              <a:t>      return f;</a:t>
+            </a:r>
+          </a:p>
+          <a:p>
+            <a:r>
+              <a:rPr lang="en-US" altLang="ko-KR" sz="900" dirty="0"/>
+              <a:t>    }</a:t>
+            </a:r>
+          </a:p>
+          <a:p>
+            <a:r>
+              <a:rPr lang="en-US" altLang="ko-KR" sz="900" dirty="0"/>
+              <a:t>  }</a:t>
+            </a:r>
+          </a:p>
+          <a:p>
+            <a:r>
+              <a:rPr lang="en-US" altLang="ko-KR" sz="900" dirty="0" smtClean="0"/>
+              <a:t>}</a:t>
+            </a:r>
+            <a:endParaRPr lang="ko-KR" altLang="en-US" sz="900" dirty="0"/>
+          </a:p>
+        </p:txBody>
+      </p:sp>
+      <p:cxnSp>
+        <p:nvCxnSpPr>
+          <p:cNvPr id="92" name="꺾인 연결선 87">
+            <a:extLst>
+              <a:ext uri="{FF2B5EF4-FFF2-40B4-BE49-F238E27FC236}">
+                <a16:creationId xmlns:a16="http://schemas.microsoft.com/office/drawing/2014/main" id="{DEDEA3FD-FE9C-44C9-92F2-D40E9718A329}"/>
+              </a:ext>
+            </a:extLst>
+          </p:cNvPr>
+          <p:cNvCxnSpPr>
+            <a:cxnSpLocks/>
+            <a:stCxn id="89" idx="3"/>
+            <a:endCxn id="91" idx="1"/>
+          </p:cNvCxnSpPr>
+          <p:nvPr/>
+        </p:nvCxnSpPr>
+        <p:spPr>
+          <a:xfrm flipV="1">
+            <a:off x="5769018" y="3341629"/>
+            <a:ext cx="740784" cy="809198"/>
+          </a:xfrm>
+          <a:prstGeom prst="bentConnector3">
+            <a:avLst>
+              <a:gd name="adj1" fmla="val 50000"/>
+            </a:avLst>
+          </a:prstGeom>
+          <a:ln>
+            <a:tailEnd type="triangle"/>
+          </a:ln>
+        </p:spPr>
+        <p:style>
+          <a:lnRef idx="1">
+            <a:schemeClr val="accent1"/>
+          </a:lnRef>
+          <a:fillRef idx="0">
+            <a:schemeClr val="accent1"/>
+          </a:fillRef>
+          <a:effectRef idx="0">
+            <a:schemeClr val="accent1"/>
+          </a:effectRef>
+          <a:fontRef idx="minor">
+            <a:schemeClr val="tx1"/>
+          </a:fontRef>
+        </p:style>
+      </p:cxnSp>
+      <p:sp>
+        <p:nvSpPr>
+          <p:cNvPr id="97" name="직사각형 96"/>
+          <p:cNvSpPr/>
+          <p:nvPr/>
+        </p:nvSpPr>
+        <p:spPr>
+          <a:xfrm>
+            <a:off x="6509802" y="4332861"/>
+            <a:ext cx="2337473" cy="1615827"/>
+          </a:xfrm>
+          <a:prstGeom prst="rect">
+            <a:avLst/>
+          </a:prstGeom>
+          <a:ln>
+            <a:solidFill>
+              <a:schemeClr val="tx1"/>
+            </a:solidFill>
+            <a:prstDash val="sysDash"/>
+          </a:ln>
+        </p:spPr>
+        <p:txBody>
+          <a:bodyPr wrap="square">
+            <a:spAutoFit/>
+          </a:bodyPr>
+          <a:lstStyle/>
+          <a:p>
+            <a:r>
+              <a:rPr lang="en-US" altLang="ko-KR" sz="900" dirty="0"/>
+              <a:t>static </a:t>
+            </a:r>
+            <a:r>
+              <a:rPr lang="en-US" altLang="ko-KR" sz="900" dirty="0" err="1" smtClean="0"/>
+              <a:t>int</a:t>
+            </a:r>
+            <a:r>
+              <a:rPr lang="en-US" altLang="ko-KR" sz="900" dirty="0" smtClean="0"/>
+              <a:t> </a:t>
+            </a:r>
+            <a:r>
+              <a:rPr lang="en-US" altLang="ko-KR" sz="900" dirty="0" err="1" smtClean="0"/>
+              <a:t>fdalloc</a:t>
+            </a:r>
+            <a:r>
+              <a:rPr lang="en-US" altLang="ko-KR" sz="900" dirty="0" smtClean="0"/>
+              <a:t>(</a:t>
+            </a:r>
+            <a:r>
+              <a:rPr lang="en-US" altLang="ko-KR" sz="900" dirty="0" err="1" smtClean="0"/>
+              <a:t>struct</a:t>
+            </a:r>
+            <a:r>
+              <a:rPr lang="en-US" altLang="ko-KR" sz="900" dirty="0" smtClean="0"/>
+              <a:t> </a:t>
+            </a:r>
+            <a:r>
+              <a:rPr lang="en-US" altLang="ko-KR" sz="900" dirty="0"/>
+              <a:t>file *f</a:t>
+            </a:r>
+            <a:r>
+              <a:rPr lang="en-US" altLang="ko-KR" sz="900" dirty="0" smtClean="0"/>
+              <a:t>){</a:t>
+            </a:r>
+            <a:endParaRPr lang="en-US" altLang="ko-KR" sz="900" dirty="0"/>
+          </a:p>
+          <a:p>
+            <a:r>
+              <a:rPr lang="en-US" altLang="ko-KR" sz="900" dirty="0"/>
+              <a:t>  </a:t>
+            </a:r>
+            <a:r>
+              <a:rPr lang="en-US" altLang="ko-KR" sz="900" dirty="0" err="1"/>
+              <a:t>int</a:t>
+            </a:r>
+            <a:r>
+              <a:rPr lang="en-US" altLang="ko-KR" sz="900" dirty="0"/>
+              <a:t> </a:t>
+            </a:r>
+            <a:r>
+              <a:rPr lang="en-US" altLang="ko-KR" sz="900" dirty="0" err="1"/>
+              <a:t>fd</a:t>
+            </a:r>
+            <a:r>
+              <a:rPr lang="en-US" altLang="ko-KR" sz="900" dirty="0"/>
+              <a:t>;</a:t>
+            </a:r>
+          </a:p>
+          <a:p>
+            <a:r>
+              <a:rPr lang="en-US" altLang="ko-KR" sz="900" dirty="0">
+                <a:solidFill>
+                  <a:srgbClr val="00B0F0"/>
+                </a:solidFill>
+              </a:rPr>
+              <a:t>  </a:t>
+            </a:r>
+            <a:r>
+              <a:rPr lang="en-US" altLang="ko-KR" sz="900" dirty="0" err="1">
+                <a:solidFill>
+                  <a:srgbClr val="00B0F0"/>
+                </a:solidFill>
+              </a:rPr>
+              <a:t>struct</a:t>
+            </a:r>
+            <a:r>
+              <a:rPr lang="en-US" altLang="ko-KR" sz="900" dirty="0">
+                <a:solidFill>
+                  <a:srgbClr val="00B0F0"/>
+                </a:solidFill>
+              </a:rPr>
+              <a:t> </a:t>
+            </a:r>
+            <a:r>
+              <a:rPr lang="en-US" altLang="ko-KR" sz="900" dirty="0" err="1">
+                <a:solidFill>
+                  <a:srgbClr val="00B0F0"/>
+                </a:solidFill>
+              </a:rPr>
+              <a:t>proc</a:t>
+            </a:r>
+            <a:r>
+              <a:rPr lang="en-US" altLang="ko-KR" sz="900" dirty="0">
+                <a:solidFill>
+                  <a:srgbClr val="00B0F0"/>
+                </a:solidFill>
+              </a:rPr>
+              <a:t> *</a:t>
+            </a:r>
+            <a:r>
+              <a:rPr lang="en-US" altLang="ko-KR" sz="900" dirty="0" err="1">
+                <a:solidFill>
+                  <a:srgbClr val="00B0F0"/>
+                </a:solidFill>
+              </a:rPr>
+              <a:t>curproc</a:t>
+            </a:r>
+            <a:r>
+              <a:rPr lang="en-US" altLang="ko-KR" sz="900" dirty="0">
+                <a:solidFill>
+                  <a:srgbClr val="00B0F0"/>
+                </a:solidFill>
+              </a:rPr>
+              <a:t> = </a:t>
+            </a:r>
+            <a:r>
+              <a:rPr lang="en-US" altLang="ko-KR" sz="900" dirty="0" err="1">
+                <a:solidFill>
+                  <a:srgbClr val="00B0F0"/>
+                </a:solidFill>
+              </a:rPr>
+              <a:t>myproc</a:t>
+            </a:r>
+            <a:r>
+              <a:rPr lang="en-US" altLang="ko-KR" sz="900" dirty="0" smtClean="0">
+                <a:solidFill>
+                  <a:srgbClr val="00B0F0"/>
+                </a:solidFill>
+              </a:rPr>
+              <a:t>();</a:t>
+            </a:r>
+            <a:endParaRPr lang="en-US" altLang="ko-KR" sz="900" dirty="0">
+              <a:solidFill>
+                <a:srgbClr val="00B0F0"/>
+              </a:solidFill>
+            </a:endParaRPr>
+          </a:p>
+          <a:p>
+            <a:r>
+              <a:rPr lang="en-US" altLang="ko-KR" sz="900" dirty="0"/>
+              <a:t>  for(</a:t>
+            </a:r>
+            <a:r>
+              <a:rPr lang="en-US" altLang="ko-KR" sz="900" dirty="0" err="1"/>
+              <a:t>fd</a:t>
+            </a:r>
+            <a:r>
+              <a:rPr lang="en-US" altLang="ko-KR" sz="900" dirty="0"/>
+              <a:t> = 0; </a:t>
+            </a:r>
+            <a:r>
+              <a:rPr lang="en-US" altLang="ko-KR" sz="900" dirty="0" err="1"/>
+              <a:t>fd</a:t>
+            </a:r>
+            <a:r>
+              <a:rPr lang="en-US" altLang="ko-KR" sz="900" dirty="0"/>
+              <a:t> &lt; NOFILE; </a:t>
+            </a:r>
+            <a:r>
+              <a:rPr lang="en-US" altLang="ko-KR" sz="900" dirty="0" err="1"/>
+              <a:t>fd</a:t>
+            </a:r>
+            <a:r>
+              <a:rPr lang="en-US" altLang="ko-KR" sz="900" dirty="0"/>
+              <a:t>++){</a:t>
+            </a:r>
+          </a:p>
+          <a:p>
+            <a:r>
+              <a:rPr lang="en-US" altLang="ko-KR" sz="900" dirty="0"/>
+              <a:t>    if(</a:t>
+            </a:r>
+            <a:r>
+              <a:rPr lang="en-US" altLang="ko-KR" sz="900" dirty="0" err="1"/>
+              <a:t>curproc</a:t>
+            </a:r>
+            <a:r>
+              <a:rPr lang="en-US" altLang="ko-KR" sz="900" dirty="0"/>
+              <a:t>-&gt;</a:t>
+            </a:r>
+            <a:r>
+              <a:rPr lang="en-US" altLang="ko-KR" sz="900" dirty="0" err="1"/>
+              <a:t>ofile</a:t>
+            </a:r>
+            <a:r>
+              <a:rPr lang="en-US" altLang="ko-KR" sz="900" dirty="0"/>
+              <a:t>[</a:t>
+            </a:r>
+            <a:r>
+              <a:rPr lang="en-US" altLang="ko-KR" sz="900" dirty="0" err="1"/>
+              <a:t>fd</a:t>
+            </a:r>
+            <a:r>
+              <a:rPr lang="en-US" altLang="ko-KR" sz="900" dirty="0"/>
+              <a:t>] == 0){</a:t>
+            </a:r>
+          </a:p>
+          <a:p>
+            <a:r>
+              <a:rPr lang="en-US" altLang="ko-KR" sz="900" dirty="0"/>
+              <a:t>      </a:t>
+            </a:r>
+            <a:r>
+              <a:rPr lang="en-US" altLang="ko-KR" sz="900" dirty="0" err="1">
+                <a:solidFill>
+                  <a:srgbClr val="00B0F0"/>
+                </a:solidFill>
+              </a:rPr>
+              <a:t>curproc</a:t>
+            </a:r>
+            <a:r>
+              <a:rPr lang="en-US" altLang="ko-KR" sz="900" dirty="0">
+                <a:solidFill>
+                  <a:srgbClr val="00B0F0"/>
+                </a:solidFill>
+              </a:rPr>
+              <a:t>-&gt;</a:t>
+            </a:r>
+            <a:r>
+              <a:rPr lang="en-US" altLang="ko-KR" sz="900" dirty="0" err="1">
+                <a:solidFill>
+                  <a:srgbClr val="00B0F0"/>
+                </a:solidFill>
+              </a:rPr>
+              <a:t>ofile</a:t>
+            </a:r>
+            <a:r>
+              <a:rPr lang="en-US" altLang="ko-KR" sz="900" dirty="0">
+                <a:solidFill>
+                  <a:srgbClr val="00B0F0"/>
+                </a:solidFill>
+              </a:rPr>
+              <a:t>[</a:t>
+            </a:r>
+            <a:r>
+              <a:rPr lang="en-US" altLang="ko-KR" sz="900" dirty="0" err="1">
+                <a:solidFill>
+                  <a:srgbClr val="00B0F0"/>
+                </a:solidFill>
+              </a:rPr>
+              <a:t>fd</a:t>
+            </a:r>
+            <a:r>
+              <a:rPr lang="en-US" altLang="ko-KR" sz="900" dirty="0">
+                <a:solidFill>
+                  <a:srgbClr val="00B0F0"/>
+                </a:solidFill>
+              </a:rPr>
+              <a:t>] = f;</a:t>
+            </a:r>
+          </a:p>
+          <a:p>
+            <a:r>
+              <a:rPr lang="en-US" altLang="ko-KR" sz="900" dirty="0"/>
+              <a:t>      return </a:t>
+            </a:r>
+            <a:r>
+              <a:rPr lang="en-US" altLang="ko-KR" sz="900" dirty="0" err="1"/>
+              <a:t>fd</a:t>
+            </a:r>
+            <a:r>
+              <a:rPr lang="en-US" altLang="ko-KR" sz="900" dirty="0"/>
+              <a:t>;</a:t>
+            </a:r>
+          </a:p>
+          <a:p>
+            <a:r>
+              <a:rPr lang="en-US" altLang="ko-KR" sz="900" dirty="0"/>
+              <a:t>    }</a:t>
+            </a:r>
+          </a:p>
+          <a:p>
+            <a:r>
+              <a:rPr lang="en-US" altLang="ko-KR" sz="900" dirty="0"/>
+              <a:t>  }</a:t>
+            </a:r>
+          </a:p>
+          <a:p>
+            <a:r>
+              <a:rPr lang="en-US" altLang="ko-KR" sz="900" dirty="0"/>
+              <a:t>  return -1;</a:t>
+            </a:r>
+          </a:p>
+          <a:p>
+            <a:r>
+              <a:rPr lang="en-US" altLang="ko-KR" sz="900" dirty="0"/>
+              <a:t>}</a:t>
+            </a:r>
+            <a:endParaRPr lang="ko-KR" altLang="en-US" sz="900" dirty="0"/>
+          </a:p>
+        </p:txBody>
+      </p:sp>
+      <p:sp>
+        <p:nvSpPr>
+          <p:cNvPr id="100" name="TextBox 99"/>
+          <p:cNvSpPr txBox="1"/>
+          <p:nvPr/>
+        </p:nvSpPr>
+        <p:spPr>
+          <a:xfrm>
+            <a:off x="4417814" y="4415698"/>
+            <a:ext cx="1358770" cy="276999"/>
+          </a:xfrm>
+          <a:prstGeom prst="rect">
+            <a:avLst/>
+          </a:prstGeom>
+          <a:noFill/>
+        </p:spPr>
+        <p:txBody>
+          <a:bodyPr wrap="none" rtlCol="0">
+            <a:spAutoFit/>
+          </a:bodyPr>
+          <a:lstStyle/>
+          <a:p>
+            <a:r>
+              <a:rPr lang="en-US" altLang="ko-KR" sz="1200" dirty="0" err="1" smtClean="0"/>
+              <a:t>curproc</a:t>
+            </a:r>
+            <a:r>
+              <a:rPr lang="ko-KR" altLang="en-US" sz="1200" dirty="0" smtClean="0"/>
+              <a:t>에</a:t>
+            </a:r>
+            <a:r>
+              <a:rPr lang="en-US" altLang="ko-KR" sz="1200" dirty="0" smtClean="0"/>
+              <a:t> </a:t>
+            </a:r>
+            <a:r>
+              <a:rPr lang="en-US" altLang="ko-KR" sz="1200" dirty="0" smtClean="0"/>
+              <a:t>FD </a:t>
+            </a:r>
+            <a:r>
+              <a:rPr lang="ko-KR" altLang="en-US" sz="1200" dirty="0" smtClean="0"/>
+              <a:t>할당</a:t>
+            </a:r>
+            <a:endParaRPr lang="en-US" altLang="ko-KR" sz="1200" dirty="0" smtClean="0"/>
+          </a:p>
+        </p:txBody>
+      </p:sp>
+      <p:cxnSp>
+        <p:nvCxnSpPr>
+          <p:cNvPr id="101" name="꺾인 연결선 87">
+            <a:extLst>
+              <a:ext uri="{FF2B5EF4-FFF2-40B4-BE49-F238E27FC236}">
+                <a16:creationId xmlns:a16="http://schemas.microsoft.com/office/drawing/2014/main" id="{DEDEA3FD-FE9C-44C9-92F2-D40E9718A329}"/>
+              </a:ext>
+            </a:extLst>
+          </p:cNvPr>
+          <p:cNvCxnSpPr>
+            <a:cxnSpLocks/>
+            <a:stCxn id="100" idx="3"/>
+            <a:endCxn id="97" idx="1"/>
+          </p:cNvCxnSpPr>
+          <p:nvPr/>
+        </p:nvCxnSpPr>
+        <p:spPr>
+          <a:xfrm>
+            <a:off x="5776584" y="4554198"/>
+            <a:ext cx="733218" cy="586577"/>
+          </a:xfrm>
+          <a:prstGeom prst="bentConnector3">
+            <a:avLst>
+              <a:gd name="adj1" fmla="val 50000"/>
+            </a:avLst>
+          </a:prstGeom>
+          <a:ln>
+            <a:tailEnd type="triangle"/>
+          </a:ln>
+        </p:spPr>
+        <p:style>
+          <a:lnRef idx="1">
+            <a:schemeClr val="accent1"/>
+          </a:lnRef>
+          <a:fillRef idx="0">
+            <a:schemeClr val="accent1"/>
+          </a:fillRef>
+          <a:effectRef idx="0">
+            <a:schemeClr val="accent1"/>
+          </a:effectRef>
+          <a:fontRef idx="minor">
+            <a:schemeClr val="tx1"/>
+          </a:fontRef>
+        </p:style>
+      </p:cxnSp>
+      <p:sp>
+        <p:nvSpPr>
+          <p:cNvPr id="107" name="직사각형 106"/>
+          <p:cNvSpPr/>
+          <p:nvPr/>
+        </p:nvSpPr>
+        <p:spPr>
+          <a:xfrm>
+            <a:off x="563757" y="500540"/>
+            <a:ext cx="1704781" cy="1938992"/>
+          </a:xfrm>
+          <a:prstGeom prst="rect">
+            <a:avLst/>
+          </a:prstGeom>
+          <a:solidFill>
+            <a:srgbClr val="00B0F0"/>
+          </a:solidFill>
+        </p:spPr>
+        <p:txBody>
+          <a:bodyPr wrap="square">
+            <a:spAutoFit/>
+          </a:bodyPr>
+          <a:lstStyle/>
+          <a:p>
+            <a:r>
+              <a:rPr lang="en-US" altLang="ko-KR" sz="1000" dirty="0" err="1"/>
+              <a:t>struct</a:t>
+            </a:r>
+            <a:r>
+              <a:rPr lang="en-US" altLang="ko-KR" sz="1000" dirty="0"/>
+              <a:t> </a:t>
+            </a:r>
+            <a:r>
+              <a:rPr lang="en-US" altLang="ko-KR" sz="1000" dirty="0" err="1"/>
+              <a:t>proc</a:t>
+            </a:r>
+            <a:r>
+              <a:rPr lang="en-US" altLang="ko-KR" sz="1000" dirty="0"/>
+              <a:t> {</a:t>
+            </a:r>
+          </a:p>
+          <a:p>
+            <a:r>
+              <a:rPr lang="en-US" altLang="ko-KR" sz="1000" dirty="0" smtClean="0"/>
+              <a:t> </a:t>
+            </a:r>
+            <a:r>
+              <a:rPr lang="en-US" altLang="ko-KR" sz="1000" dirty="0" err="1" smtClean="0"/>
+              <a:t>pde_t</a:t>
+            </a:r>
+            <a:r>
+              <a:rPr lang="en-US" altLang="ko-KR" sz="1000" dirty="0"/>
+              <a:t>* </a:t>
+            </a:r>
+            <a:r>
+              <a:rPr lang="en-US" altLang="ko-KR" sz="1000" dirty="0" err="1"/>
+              <a:t>pgdir</a:t>
+            </a:r>
+            <a:r>
+              <a:rPr lang="en-US" altLang="ko-KR" sz="1000" dirty="0"/>
+              <a:t>; </a:t>
+            </a:r>
+          </a:p>
+          <a:p>
+            <a:r>
+              <a:rPr lang="en-US" altLang="ko-KR" sz="1000" dirty="0" smtClean="0"/>
+              <a:t>  </a:t>
+            </a:r>
+            <a:r>
+              <a:rPr lang="en-US" altLang="ko-KR" sz="1000" dirty="0"/>
+              <a:t>char *</a:t>
+            </a:r>
+            <a:r>
+              <a:rPr lang="en-US" altLang="ko-KR" sz="1000" dirty="0" err="1"/>
+              <a:t>kstack</a:t>
+            </a:r>
+            <a:r>
+              <a:rPr lang="en-US" altLang="ko-KR" sz="1000" dirty="0"/>
+              <a:t>;  </a:t>
+            </a:r>
+          </a:p>
+          <a:p>
+            <a:r>
+              <a:rPr lang="en-US" altLang="ko-KR" sz="1000" dirty="0" smtClean="0"/>
+              <a:t>  </a:t>
+            </a:r>
+            <a:r>
+              <a:rPr lang="en-US" altLang="ko-KR" sz="1000" dirty="0" err="1" smtClean="0"/>
+              <a:t>int</a:t>
+            </a:r>
+            <a:r>
+              <a:rPr lang="en-US" altLang="ko-KR" sz="1000" dirty="0" smtClean="0"/>
+              <a:t> </a:t>
+            </a:r>
+            <a:r>
+              <a:rPr lang="en-US" altLang="ko-KR" sz="1000" dirty="0" err="1"/>
+              <a:t>pid</a:t>
+            </a:r>
+            <a:r>
+              <a:rPr lang="en-US" altLang="ko-KR" sz="1000" dirty="0"/>
+              <a:t>;       </a:t>
+            </a:r>
+          </a:p>
+          <a:p>
+            <a:r>
+              <a:rPr lang="en-US" altLang="ko-KR" sz="1000" dirty="0"/>
+              <a:t>  </a:t>
+            </a:r>
+            <a:r>
+              <a:rPr lang="en-US" altLang="ko-KR" sz="1000" dirty="0" err="1"/>
+              <a:t>struct</a:t>
+            </a:r>
+            <a:r>
+              <a:rPr lang="en-US" altLang="ko-KR" sz="1000" dirty="0"/>
+              <a:t> </a:t>
+            </a:r>
+            <a:r>
+              <a:rPr lang="en-US" altLang="ko-KR" sz="1000" dirty="0" err="1"/>
+              <a:t>proc</a:t>
+            </a:r>
+            <a:r>
+              <a:rPr lang="en-US" altLang="ko-KR" sz="1000" dirty="0"/>
+              <a:t> *parent</a:t>
+            </a:r>
+            <a:r>
+              <a:rPr lang="en-US" altLang="ko-KR" sz="1000" dirty="0" smtClean="0"/>
+              <a:t>;</a:t>
+            </a:r>
+            <a:endParaRPr lang="en-US" altLang="ko-KR" sz="1000" dirty="0"/>
+          </a:p>
+          <a:p>
+            <a:r>
+              <a:rPr lang="en-US" altLang="ko-KR" sz="1000" dirty="0"/>
+              <a:t>  </a:t>
+            </a:r>
+            <a:r>
+              <a:rPr lang="en-US" altLang="ko-KR" sz="1000" dirty="0" err="1"/>
+              <a:t>struct</a:t>
+            </a:r>
+            <a:r>
+              <a:rPr lang="en-US" altLang="ko-KR" sz="1000" dirty="0"/>
+              <a:t> </a:t>
+            </a:r>
+            <a:r>
+              <a:rPr lang="en-US" altLang="ko-KR" sz="1000" dirty="0" err="1"/>
+              <a:t>trapframe</a:t>
+            </a:r>
+            <a:r>
+              <a:rPr lang="en-US" altLang="ko-KR" sz="1000" dirty="0"/>
+              <a:t> *</a:t>
+            </a:r>
+            <a:r>
+              <a:rPr lang="en-US" altLang="ko-KR" sz="1000" dirty="0" err="1"/>
+              <a:t>tf</a:t>
+            </a:r>
+            <a:r>
+              <a:rPr lang="en-US" altLang="ko-KR" sz="1000" dirty="0" smtClean="0"/>
+              <a:t>;</a:t>
+            </a:r>
+          </a:p>
+          <a:p>
+            <a:r>
+              <a:rPr lang="en-US" altLang="ko-KR" sz="1000" dirty="0" smtClean="0"/>
+              <a:t>  </a:t>
+            </a:r>
+            <a:r>
+              <a:rPr lang="en-US" altLang="ko-KR" sz="1000" dirty="0" err="1" smtClean="0"/>
+              <a:t>struct</a:t>
+            </a:r>
+            <a:r>
+              <a:rPr lang="en-US" altLang="ko-KR" sz="1000" dirty="0" smtClean="0"/>
+              <a:t> </a:t>
+            </a:r>
+            <a:r>
+              <a:rPr lang="en-US" altLang="ko-KR" sz="1000" dirty="0"/>
+              <a:t>context *context</a:t>
+            </a:r>
+            <a:r>
+              <a:rPr lang="en-US" altLang="ko-KR" sz="1000" dirty="0" smtClean="0"/>
+              <a:t>;</a:t>
+            </a:r>
+          </a:p>
+          <a:p>
+            <a:r>
+              <a:rPr lang="en-US" altLang="ko-KR" sz="1000" dirty="0" smtClean="0"/>
+              <a:t>  void *</a:t>
+            </a:r>
+            <a:r>
+              <a:rPr lang="en-US" altLang="ko-KR" sz="1000" dirty="0" err="1" smtClean="0"/>
+              <a:t>chan</a:t>
+            </a:r>
+            <a:r>
+              <a:rPr lang="en-US" altLang="ko-KR" sz="1000" dirty="0" smtClean="0"/>
+              <a:t>; </a:t>
+            </a:r>
+          </a:p>
+          <a:p>
+            <a:r>
+              <a:rPr lang="en-US" altLang="ko-KR" sz="1000" dirty="0"/>
+              <a:t> </a:t>
+            </a:r>
+            <a:r>
+              <a:rPr lang="en-US" altLang="ko-KR" sz="1000" dirty="0" smtClean="0"/>
+              <a:t> </a:t>
+            </a:r>
+            <a:r>
+              <a:rPr lang="en-US" altLang="ko-KR" sz="1000" dirty="0" err="1" smtClean="0"/>
+              <a:t>int</a:t>
+            </a:r>
+            <a:r>
+              <a:rPr lang="en-US" altLang="ko-KR" sz="1000" dirty="0" smtClean="0"/>
+              <a:t> </a:t>
+            </a:r>
+            <a:r>
+              <a:rPr lang="en-US" altLang="ko-KR" sz="1000" dirty="0"/>
+              <a:t>killed; </a:t>
+            </a:r>
+            <a:endParaRPr lang="en-US" altLang="ko-KR" sz="1000" dirty="0" smtClean="0"/>
+          </a:p>
+          <a:p>
+            <a:r>
+              <a:rPr lang="en-US" altLang="ko-KR" sz="1000" dirty="0"/>
+              <a:t> </a:t>
+            </a:r>
+            <a:r>
+              <a:rPr lang="en-US" altLang="ko-KR" sz="1000" dirty="0" smtClean="0"/>
+              <a:t> </a:t>
+            </a:r>
+            <a:r>
+              <a:rPr lang="en-US" altLang="ko-KR" sz="1000" dirty="0" err="1" smtClean="0"/>
+              <a:t>struct</a:t>
+            </a:r>
+            <a:r>
+              <a:rPr lang="en-US" altLang="ko-KR" sz="1000" dirty="0" smtClean="0"/>
+              <a:t> </a:t>
+            </a:r>
+            <a:r>
+              <a:rPr lang="en-US" altLang="ko-KR" sz="1000" dirty="0"/>
+              <a:t>file *</a:t>
+            </a:r>
+            <a:r>
+              <a:rPr lang="en-US" altLang="ko-KR" sz="1000" dirty="0" err="1"/>
+              <a:t>ofile</a:t>
+            </a:r>
+            <a:r>
+              <a:rPr lang="en-US" altLang="ko-KR" sz="1000" dirty="0"/>
+              <a:t>[NOFILE];  </a:t>
+            </a:r>
+          </a:p>
+          <a:p>
+            <a:r>
+              <a:rPr lang="en-US" altLang="ko-KR" sz="1000" dirty="0"/>
+              <a:t>  </a:t>
+            </a:r>
+            <a:r>
+              <a:rPr lang="en-US" altLang="ko-KR" sz="1000" dirty="0" err="1"/>
+              <a:t>struct</a:t>
+            </a:r>
+            <a:r>
+              <a:rPr lang="en-US" altLang="ko-KR" sz="1000" dirty="0"/>
+              <a:t> </a:t>
+            </a:r>
+            <a:r>
+              <a:rPr lang="en-US" altLang="ko-KR" sz="1000" dirty="0" err="1"/>
+              <a:t>inode</a:t>
+            </a:r>
+            <a:r>
+              <a:rPr lang="en-US" altLang="ko-KR" sz="1000" dirty="0"/>
+              <a:t> *</a:t>
+            </a:r>
+            <a:r>
+              <a:rPr lang="en-US" altLang="ko-KR" sz="1000" dirty="0" err="1"/>
+              <a:t>cwd</a:t>
+            </a:r>
+            <a:r>
+              <a:rPr lang="en-US" altLang="ko-KR" sz="1000" dirty="0"/>
+              <a:t>;         </a:t>
+            </a:r>
+          </a:p>
+          <a:p>
+            <a:r>
+              <a:rPr lang="en-US" altLang="ko-KR" sz="1000" dirty="0"/>
+              <a:t>  char name[16</a:t>
+            </a:r>
+            <a:r>
+              <a:rPr lang="en-US" altLang="ko-KR" sz="1000" dirty="0" smtClean="0"/>
+              <a:t>];</a:t>
+            </a:r>
+          </a:p>
+        </p:txBody>
+      </p:sp>
+      <p:sp>
+        <p:nvSpPr>
+          <p:cNvPr id="108" name="TextBox 107"/>
+          <p:cNvSpPr txBox="1"/>
+          <p:nvPr/>
+        </p:nvSpPr>
+        <p:spPr>
+          <a:xfrm>
+            <a:off x="563757" y="176266"/>
+            <a:ext cx="602537" cy="369332"/>
+          </a:xfrm>
+          <a:prstGeom prst="rect">
+            <a:avLst/>
+          </a:prstGeom>
+          <a:noFill/>
+        </p:spPr>
+        <p:txBody>
+          <a:bodyPr wrap="none" rtlCol="0">
+            <a:spAutoFit/>
+          </a:bodyPr>
+          <a:lstStyle/>
+          <a:p>
+            <a:r>
+              <a:rPr lang="en-US" altLang="ko-KR" dirty="0" err="1" smtClean="0"/>
+              <a:t>proc</a:t>
+            </a:r>
+            <a:endParaRPr lang="ko-KR" altLang="en-US" dirty="0"/>
+          </a:p>
+        </p:txBody>
+      </p:sp>
+      <p:sp>
+        <p:nvSpPr>
+          <p:cNvPr id="109" name="TextBox 108"/>
+          <p:cNvSpPr txBox="1"/>
+          <p:nvPr/>
+        </p:nvSpPr>
+        <p:spPr>
+          <a:xfrm>
+            <a:off x="1522935" y="176266"/>
+            <a:ext cx="418704" cy="246221"/>
+          </a:xfrm>
+          <a:prstGeom prst="rect">
+            <a:avLst/>
+          </a:prstGeom>
+          <a:solidFill>
+            <a:srgbClr val="00B050"/>
+          </a:solidFill>
+        </p:spPr>
+        <p:txBody>
+          <a:bodyPr wrap="none" rtlCol="0">
+            <a:spAutoFit/>
+          </a:bodyPr>
+          <a:lstStyle/>
+          <a:p>
+            <a:r>
+              <a:rPr lang="en-US" altLang="ko-KR" sz="1000" dirty="0" err="1" smtClean="0"/>
+              <a:t>proc</a:t>
+            </a:r>
+            <a:endParaRPr lang="ko-KR" altLang="en-US" sz="1000" dirty="0"/>
+          </a:p>
+        </p:txBody>
+      </p:sp>
+      <p:cxnSp>
+        <p:nvCxnSpPr>
+          <p:cNvPr id="110" name="꺾인 연결선 87">
+            <a:extLst>
+              <a:ext uri="{FF2B5EF4-FFF2-40B4-BE49-F238E27FC236}">
+                <a16:creationId xmlns:a16="http://schemas.microsoft.com/office/drawing/2014/main" id="{DEDEA3FD-FE9C-44C9-92F2-D40E9718A329}"/>
+              </a:ext>
+            </a:extLst>
+          </p:cNvPr>
+          <p:cNvCxnSpPr>
+            <a:cxnSpLocks/>
+            <a:stCxn id="113" idx="2"/>
+            <a:endCxn id="81" idx="1"/>
+          </p:cNvCxnSpPr>
+          <p:nvPr/>
+        </p:nvCxnSpPr>
+        <p:spPr>
+          <a:xfrm>
+            <a:off x="2193363" y="2025603"/>
+            <a:ext cx="1241441" cy="2528595"/>
+          </a:xfrm>
+          <a:prstGeom prst="curvedConnector3">
+            <a:avLst/>
+          </a:prstGeom>
+          <a:ln>
+            <a:tailEnd type="triangle"/>
+          </a:ln>
+        </p:spPr>
+        <p:style>
+          <a:lnRef idx="1">
+            <a:schemeClr val="accent1"/>
+          </a:lnRef>
+          <a:fillRef idx="0">
+            <a:schemeClr val="accent1"/>
+          </a:fillRef>
+          <a:effectRef idx="0">
+            <a:schemeClr val="accent1"/>
+          </a:effectRef>
+          <a:fontRef idx="minor">
+            <a:schemeClr val="tx1"/>
+          </a:fontRef>
+        </p:style>
+      </p:cxnSp>
+      <p:sp>
+        <p:nvSpPr>
+          <p:cNvPr id="113" name="아래쪽 화살표 112"/>
+          <p:cNvSpPr/>
+          <p:nvPr/>
+        </p:nvSpPr>
+        <p:spPr>
+          <a:xfrm rot="5400000" flipV="1">
+            <a:off x="2052503" y="1962690"/>
+            <a:ext cx="155895" cy="125824"/>
+          </a:xfrm>
+          <a:prstGeom prst="downArrow">
+            <a:avLst/>
+          </a:prstGeom>
+        </p:spPr>
+        <p:style>
+          <a:lnRef idx="2">
+            <a:schemeClr val="accent1">
+              <a:shade val="50000"/>
+            </a:schemeClr>
+          </a:lnRef>
+          <a:fillRef idx="1">
+            <a:schemeClr val="accent1"/>
+          </a:fillRef>
+          <a:effectRef idx="0">
+            <a:schemeClr val="accent1"/>
+          </a:effectRef>
+          <a:fontRef idx="minor">
+            <a:schemeClr val="lt1"/>
+          </a:fontRef>
+        </p:style>
+        <p:txBody>
+          <a:bodyPr rtlCol="0" anchor="ctr"/>
+          <a:lstStyle/>
+          <a:p>
+            <a:pPr algn="ctr"/>
+            <a:endParaRPr lang="ko-KR" altLang="en-US"/>
+          </a:p>
+        </p:txBody>
+      </p:sp>
+      <p:sp>
+        <p:nvSpPr>
+          <p:cNvPr id="116" name="직사각형 115"/>
+          <p:cNvSpPr/>
+          <p:nvPr/>
+        </p:nvSpPr>
+        <p:spPr>
+          <a:xfrm>
+            <a:off x="3439111" y="4835338"/>
+            <a:ext cx="2337473" cy="1061829"/>
+          </a:xfrm>
+          <a:prstGeom prst="rect">
+            <a:avLst/>
+          </a:prstGeom>
+          <a:ln>
+            <a:solidFill>
+              <a:schemeClr val="tx1"/>
+            </a:solidFill>
+            <a:prstDash val="sysDash"/>
+          </a:ln>
+        </p:spPr>
+        <p:txBody>
+          <a:bodyPr wrap="square">
+            <a:spAutoFit/>
+          </a:bodyPr>
+          <a:lstStyle/>
+          <a:p>
+            <a:r>
+              <a:rPr lang="en-US" altLang="ko-KR" sz="900" dirty="0"/>
+              <a:t> f-&gt;type = </a:t>
+            </a:r>
+            <a:r>
+              <a:rPr lang="en-US" altLang="ko-KR" sz="900" dirty="0">
+                <a:solidFill>
+                  <a:srgbClr val="00B0F0"/>
+                </a:solidFill>
+              </a:rPr>
+              <a:t>FD_INODE;</a:t>
+            </a:r>
+          </a:p>
+          <a:p>
+            <a:r>
+              <a:rPr lang="en-US" altLang="ko-KR" sz="900" dirty="0"/>
+              <a:t>  f-&gt;</a:t>
+            </a:r>
+            <a:r>
+              <a:rPr lang="en-US" altLang="ko-KR" sz="900" dirty="0" err="1"/>
+              <a:t>ip</a:t>
+            </a:r>
+            <a:r>
+              <a:rPr lang="en-US" altLang="ko-KR" sz="900" dirty="0"/>
+              <a:t> </a:t>
+            </a:r>
+            <a:r>
+              <a:rPr lang="en-US" altLang="ko-KR" sz="900" dirty="0">
+                <a:solidFill>
+                  <a:srgbClr val="00B0F0"/>
+                </a:solidFill>
+              </a:rPr>
+              <a:t>= </a:t>
+            </a:r>
+            <a:r>
+              <a:rPr lang="en-US" altLang="ko-KR" sz="900" dirty="0" err="1">
+                <a:solidFill>
+                  <a:srgbClr val="00B0F0"/>
+                </a:solidFill>
+              </a:rPr>
+              <a:t>ip</a:t>
+            </a:r>
+            <a:r>
+              <a:rPr lang="en-US" altLang="ko-KR" sz="900" dirty="0">
+                <a:solidFill>
+                  <a:srgbClr val="00B0F0"/>
+                </a:solidFill>
+              </a:rPr>
+              <a:t>;</a:t>
+            </a:r>
+          </a:p>
+          <a:p>
+            <a:r>
+              <a:rPr lang="en-US" altLang="ko-KR" sz="900" dirty="0"/>
+              <a:t>  f-&gt;off = 0;</a:t>
+            </a:r>
+          </a:p>
+          <a:p>
+            <a:r>
+              <a:rPr lang="en-US" altLang="ko-KR" sz="900" dirty="0"/>
+              <a:t>  f-&gt;readable = !(</a:t>
+            </a:r>
+            <a:r>
+              <a:rPr lang="en-US" altLang="ko-KR" sz="900" dirty="0" err="1"/>
+              <a:t>omode</a:t>
+            </a:r>
+            <a:r>
+              <a:rPr lang="en-US" altLang="ko-KR" sz="900" dirty="0"/>
+              <a:t> &amp; O_WRONLY);</a:t>
+            </a:r>
+          </a:p>
+          <a:p>
+            <a:r>
+              <a:rPr lang="en-US" altLang="ko-KR" sz="900" dirty="0"/>
+              <a:t>  f-&gt;writable = (</a:t>
+            </a:r>
+            <a:r>
+              <a:rPr lang="en-US" altLang="ko-KR" sz="900" dirty="0" err="1"/>
+              <a:t>omode</a:t>
+            </a:r>
+            <a:r>
+              <a:rPr lang="en-US" altLang="ko-KR" sz="900" dirty="0"/>
+              <a:t> &amp; O_WRONLY) || (</a:t>
+            </a:r>
+            <a:r>
+              <a:rPr lang="en-US" altLang="ko-KR" sz="900" dirty="0" err="1"/>
+              <a:t>omode</a:t>
+            </a:r>
+            <a:r>
+              <a:rPr lang="en-US" altLang="ko-KR" sz="900" dirty="0"/>
+              <a:t> &amp; O_RDWR);</a:t>
+            </a:r>
+          </a:p>
+          <a:p>
+            <a:r>
+              <a:rPr lang="en-US" altLang="ko-KR" sz="900" dirty="0"/>
+              <a:t>  return </a:t>
+            </a:r>
+            <a:r>
+              <a:rPr lang="en-US" altLang="ko-KR" sz="900" dirty="0" err="1">
+                <a:solidFill>
+                  <a:srgbClr val="00B0F0"/>
+                </a:solidFill>
+              </a:rPr>
+              <a:t>fd</a:t>
+            </a:r>
+            <a:r>
+              <a:rPr lang="en-US" altLang="ko-KR" sz="900" dirty="0">
+                <a:solidFill>
+                  <a:srgbClr val="00B0F0"/>
+                </a:solidFill>
+              </a:rPr>
+              <a:t>;</a:t>
+            </a:r>
+            <a:endParaRPr lang="ko-KR" altLang="en-US" sz="900" dirty="0">
+              <a:solidFill>
+                <a:srgbClr val="00B0F0"/>
+              </a:solidFill>
+            </a:endParaRPr>
+          </a:p>
+        </p:txBody>
+      </p:sp>
     </p:spTree>
     <p:extLst>
       <p:ext uri="{BB962C8B-B14F-4D97-AF65-F5344CB8AC3E}">
@@ -22697,7 +25361,6 @@
               <a:rPr lang="en-US" altLang="ko-KR" sz="1000" dirty="0"/>
               <a:t>;</a:t>
             </a:r>
-            <a:endParaRPr lang="en-US" altLang="ko-KR" sz="1000" dirty="0"/>
           </a:p>
         </p:txBody>
       </p:sp>
@@ -23723,7 +26386,6 @@
               <a:rPr lang="en-US" altLang="ko-KR" sz="1000" dirty="0"/>
               <a:t>;</a:t>
             </a:r>
-            <a:endParaRPr lang="en-US" altLang="ko-KR" sz="1000" dirty="0"/>
           </a:p>
         </p:txBody>
       </p:sp>
@@ -24660,7 +27322,6 @@
               <a:rPr lang="en-US" altLang="ko-KR" sz="1200" dirty="0" smtClean="0"/>
               <a:t>)</a:t>
             </a:r>
-            <a:endParaRPr lang="en-US" altLang="ko-KR" sz="1200" dirty="0" smtClean="0"/>
           </a:p>
         </p:txBody>
       </p:sp>
